--- a/Презентация данжона(2).pptx
+++ b/Презентация данжона(2).pptx
@@ -5,33 +5,41 @@
     <p:sldMasterId id="2147483666" r:id="rId1"/>
   </p:sldMasterIdLst>
   <p:notesMasterIdLst>
-    <p:notesMasterId r:id="rId8"/>
+    <p:notesMasterId r:id="rId16"/>
   </p:notesMasterIdLst>
   <p:sldIdLst>
     <p:sldId id="256" r:id="rId2"/>
     <p:sldId id="257" r:id="rId3"/>
     <p:sldId id="264" r:id="rId4"/>
-    <p:sldId id="276" r:id="rId5"/>
-    <p:sldId id="275" r:id="rId6"/>
-    <p:sldId id="267" r:id="rId7"/>
+    <p:sldId id="278" r:id="rId5"/>
+    <p:sldId id="284" r:id="rId6"/>
+    <p:sldId id="279" r:id="rId7"/>
+    <p:sldId id="280" r:id="rId8"/>
+    <p:sldId id="281" r:id="rId9"/>
+    <p:sldId id="277" r:id="rId10"/>
+    <p:sldId id="276" r:id="rId11"/>
+    <p:sldId id="283" r:id="rId12"/>
+    <p:sldId id="275" r:id="rId13"/>
+    <p:sldId id="267" r:id="rId14"/>
+    <p:sldId id="282" r:id="rId15"/>
   </p:sldIdLst>
   <p:sldSz cx="24384000" cy="13716000"/>
   <p:notesSz cx="6858000" cy="9144000"/>
   <p:embeddedFontLst>
     <p:embeddedFont>
       <p:font typeface="Pangolin Regular" pitchFamily="2" charset="-52"/>
-      <p:regular r:id="rId9"/>
+      <p:regular r:id="rId17"/>
     </p:embeddedFont>
     <p:embeddedFont>
       <p:font typeface="Trebuchet MS" pitchFamily="34" charset="0"/>
-      <p:regular r:id="rId10"/>
-      <p:bold r:id="rId11"/>
-      <p:italic r:id="rId12"/>
-      <p:boldItalic r:id="rId13"/>
+      <p:regular r:id="rId18"/>
+      <p:bold r:id="rId19"/>
+      <p:italic r:id="rId20"/>
+      <p:boldItalic r:id="rId21"/>
     </p:embeddedFont>
     <p:embeddedFont>
       <p:font typeface="Wingdings 3" pitchFamily="18" charset="2"/>
-      <p:regular r:id="rId14"/>
+      <p:regular r:id="rId22"/>
     </p:embeddedFont>
   </p:embeddedFontLst>
   <p:defaultTextStyle>
@@ -131,7 +139,7 @@
   </p:defaultTextStyle>
   <p:extLst>
     <p:ext uri="{EFAFB233-063F-42B5-8137-9DF3F51BA10A}">
-      <p15:sldGuideLst xmlns="" xmlns:p15="http://schemas.microsoft.com/office/powerpoint/2012/main">
+      <p15:sldGuideLst xmlns:p15="http://schemas.microsoft.com/office/powerpoint/2012/main" xmlns="">
         <p15:guide id="1" orient="horz" pos="4320">
           <p15:clr>
             <a:srgbClr val="A4A3A4"/>
@@ -1054,7 +1062,7 @@
             <a:fld id="{B61BEF0D-F0BB-DE4B-95CE-6DB70DBA9567}" type="datetimeFigureOut">
               <a:rPr lang="en-US" dirty="0"/>
               <a:pPr/>
-              <a:t>4/28/2024</a:t>
+              <a:t>4/30/2024</a:t>
             </a:fld>
             <a:endParaRPr lang="en-US" dirty="0"/>
           </a:p>
@@ -1106,7 +1114,7 @@
     </p:spTree>
     <p:extLst>
       <p:ext uri="{BB962C8B-B14F-4D97-AF65-F5344CB8AC3E}">
-        <p14:creationId xmlns="" xmlns:p14="http://schemas.microsoft.com/office/powerpoint/2010/main" val="1151639270"/>
+        <p14:creationId xmlns:p14="http://schemas.microsoft.com/office/powerpoint/2010/main" xmlns="" val="1151639270"/>
       </p:ext>
     </p:extLst>
   </p:cSld>
@@ -1308,7 +1316,7 @@
             <a:fld id="{B61BEF0D-F0BB-DE4B-95CE-6DB70DBA9567}" type="datetimeFigureOut">
               <a:rPr lang="en-US" dirty="0"/>
               <a:pPr/>
-              <a:t>4/28/2024</a:t>
+              <a:t>4/30/2024</a:t>
             </a:fld>
             <a:endParaRPr lang="en-US" dirty="0"/>
           </a:p>
@@ -1360,7 +1368,7 @@
     </p:spTree>
     <p:extLst>
       <p:ext uri="{BB962C8B-B14F-4D97-AF65-F5344CB8AC3E}">
-        <p14:creationId xmlns="" xmlns:p14="http://schemas.microsoft.com/office/powerpoint/2010/main" val="169579723"/>
+        <p14:creationId xmlns:p14="http://schemas.microsoft.com/office/powerpoint/2010/main" xmlns="" val="169579723"/>
       </p:ext>
     </p:extLst>
   </p:cSld>
@@ -1625,7 +1633,7 @@
             <a:fld id="{B61BEF0D-F0BB-DE4B-95CE-6DB70DBA9567}" type="datetimeFigureOut">
               <a:rPr lang="en-US" dirty="0"/>
               <a:pPr/>
-              <a:t>4/28/2024</a:t>
+              <a:t>4/30/2024</a:t>
             </a:fld>
             <a:endParaRPr lang="en-US" dirty="0"/>
           </a:p>
@@ -1767,7 +1775,7 @@
     </p:spTree>
     <p:extLst>
       <p:ext uri="{BB962C8B-B14F-4D97-AF65-F5344CB8AC3E}">
-        <p14:creationId xmlns="" xmlns:p14="http://schemas.microsoft.com/office/powerpoint/2010/main" val="2105212344"/>
+        <p14:creationId xmlns:p14="http://schemas.microsoft.com/office/powerpoint/2010/main" xmlns="" val="2105212344"/>
       </p:ext>
     </p:extLst>
   </p:cSld>
@@ -1969,7 +1977,7 @@
             <a:fld id="{B61BEF0D-F0BB-DE4B-95CE-6DB70DBA9567}" type="datetimeFigureOut">
               <a:rPr lang="en-US" dirty="0"/>
               <a:pPr/>
-              <a:t>4/28/2024</a:t>
+              <a:t>4/30/2024</a:t>
             </a:fld>
             <a:endParaRPr lang="en-US" dirty="0"/>
           </a:p>
@@ -2021,7 +2029,7 @@
     </p:spTree>
     <p:extLst>
       <p:ext uri="{BB962C8B-B14F-4D97-AF65-F5344CB8AC3E}">
-        <p14:creationId xmlns="" xmlns:p14="http://schemas.microsoft.com/office/powerpoint/2010/main" val="3282029789"/>
+        <p14:creationId xmlns:p14="http://schemas.microsoft.com/office/powerpoint/2010/main" xmlns="" val="3282029789"/>
       </p:ext>
     </p:extLst>
   </p:cSld>
@@ -2286,7 +2294,7 @@
             <a:fld id="{B61BEF0D-F0BB-DE4B-95CE-6DB70DBA9567}" type="datetimeFigureOut">
               <a:rPr lang="en-US" dirty="0"/>
               <a:pPr/>
-              <a:t>4/28/2024</a:t>
+              <a:t>4/30/2024</a:t>
             </a:fld>
             <a:endParaRPr lang="en-US" dirty="0"/>
           </a:p>
@@ -2420,7 +2428,7 @@
     </p:spTree>
     <p:extLst>
       <p:ext uri="{BB962C8B-B14F-4D97-AF65-F5344CB8AC3E}">
-        <p14:creationId xmlns="" xmlns:p14="http://schemas.microsoft.com/office/powerpoint/2010/main" val="1867517239"/>
+        <p14:creationId xmlns:p14="http://schemas.microsoft.com/office/powerpoint/2010/main" xmlns="" val="1867517239"/>
       </p:ext>
     </p:extLst>
   </p:cSld>
@@ -2682,7 +2690,7 @@
             <a:fld id="{B61BEF0D-F0BB-DE4B-95CE-6DB70DBA9567}" type="datetimeFigureOut">
               <a:rPr lang="en-US" dirty="0"/>
               <a:pPr/>
-              <a:t>4/28/2024</a:t>
+              <a:t>4/30/2024</a:t>
             </a:fld>
             <a:endParaRPr lang="en-US" dirty="0"/>
           </a:p>
@@ -2734,7 +2742,7 @@
     </p:spTree>
     <p:extLst>
       <p:ext uri="{BB962C8B-B14F-4D97-AF65-F5344CB8AC3E}">
-        <p14:creationId xmlns="" xmlns:p14="http://schemas.microsoft.com/office/powerpoint/2010/main" val="2201890147"/>
+        <p14:creationId xmlns:p14="http://schemas.microsoft.com/office/powerpoint/2010/main" xmlns="" val="2201890147"/>
       </p:ext>
     </p:extLst>
   </p:cSld>
@@ -2855,7 +2863,7 @@
             <a:fld id="{55C6B4A9-1611-4792-9094-5F34BCA07E0B}" type="datetimeFigureOut">
               <a:rPr lang="en-US" dirty="0"/>
               <a:pPr/>
-              <a:t>4/28/2024</a:t>
+              <a:t>4/30/2024</a:t>
             </a:fld>
             <a:endParaRPr lang="en-US" dirty="0"/>
           </a:p>
@@ -2907,7 +2915,7 @@
     </p:spTree>
     <p:extLst>
       <p:ext uri="{BB962C8B-B14F-4D97-AF65-F5344CB8AC3E}">
-        <p14:creationId xmlns="" xmlns:p14="http://schemas.microsoft.com/office/powerpoint/2010/main" val="1787437487"/>
+        <p14:creationId xmlns:p14="http://schemas.microsoft.com/office/powerpoint/2010/main" xmlns="" val="1787437487"/>
       </p:ext>
     </p:extLst>
   </p:cSld>
@@ -3038,7 +3046,7 @@
             <a:fld id="{B61BEF0D-F0BB-DE4B-95CE-6DB70DBA9567}" type="datetimeFigureOut">
               <a:rPr lang="en-US" dirty="0"/>
               <a:pPr/>
-              <a:t>4/28/2024</a:t>
+              <a:t>4/30/2024</a:t>
             </a:fld>
             <a:endParaRPr lang="en-US" dirty="0"/>
           </a:p>
@@ -3090,7 +3098,7 @@
     </p:spTree>
     <p:extLst>
       <p:ext uri="{BB962C8B-B14F-4D97-AF65-F5344CB8AC3E}">
-        <p14:creationId xmlns="" xmlns:p14="http://schemas.microsoft.com/office/powerpoint/2010/main" val="968821103"/>
+        <p14:creationId xmlns:p14="http://schemas.microsoft.com/office/powerpoint/2010/main" xmlns="" val="968821103"/>
       </p:ext>
     </p:extLst>
   </p:cSld>
@@ -3324,7 +3332,7 @@
     </p:spTree>
     <p:extLst>
       <p:ext uri="{BB962C8B-B14F-4D97-AF65-F5344CB8AC3E}">
-        <p14:creationId xmlns="" xmlns:p14="http://schemas.microsoft.com/office/powerpoint/2010/main" val="2427124902"/>
+        <p14:creationId xmlns:p14="http://schemas.microsoft.com/office/powerpoint/2010/main" xmlns="" val="2427124902"/>
       </p:ext>
     </p:extLst>
   </p:cSld>
@@ -3451,7 +3459,7 @@
             <a:fld id="{B61BEF0D-F0BB-DE4B-95CE-6DB70DBA9567}" type="datetimeFigureOut">
               <a:rPr lang="en-US" dirty="0"/>
               <a:pPr/>
-              <a:t>4/28/2024</a:t>
+              <a:t>4/30/2024</a:t>
             </a:fld>
             <a:endParaRPr lang="en-US" dirty="0"/>
           </a:p>
@@ -3503,7 +3511,7 @@
     </p:spTree>
     <p:extLst>
       <p:ext uri="{BB962C8B-B14F-4D97-AF65-F5344CB8AC3E}">
-        <p14:creationId xmlns="" xmlns:p14="http://schemas.microsoft.com/office/powerpoint/2010/main" val="3339028630"/>
+        <p14:creationId xmlns:p14="http://schemas.microsoft.com/office/powerpoint/2010/main" xmlns="" val="3339028630"/>
       </p:ext>
     </p:extLst>
   </p:cSld>
@@ -3701,7 +3709,7 @@
             <a:fld id="{B61BEF0D-F0BB-DE4B-95CE-6DB70DBA9567}" type="datetimeFigureOut">
               <a:rPr lang="en-US" dirty="0"/>
               <a:pPr/>
-              <a:t>4/28/2024</a:t>
+              <a:t>4/30/2024</a:t>
             </a:fld>
             <a:endParaRPr lang="en-US" dirty="0"/>
           </a:p>
@@ -3753,7 +3761,7 @@
     </p:spTree>
     <p:extLst>
       <p:ext uri="{BB962C8B-B14F-4D97-AF65-F5344CB8AC3E}">
-        <p14:creationId xmlns="" xmlns:p14="http://schemas.microsoft.com/office/powerpoint/2010/main" val="856233633"/>
+        <p14:creationId xmlns:p14="http://schemas.microsoft.com/office/powerpoint/2010/main" xmlns="" val="856233633"/>
       </p:ext>
     </p:extLst>
   </p:cSld>
@@ -3936,7 +3944,7 @@
             <a:fld id="{EB712588-04B1-427B-82EE-E8DB90309F08}" type="datetimeFigureOut">
               <a:rPr lang="en-US" dirty="0"/>
               <a:pPr/>
-              <a:t>4/28/2024</a:t>
+              <a:t>4/30/2024</a:t>
             </a:fld>
             <a:endParaRPr lang="en-US" dirty="0"/>
           </a:p>
@@ -3988,7 +3996,7 @@
     </p:spTree>
     <p:extLst>
       <p:ext uri="{BB962C8B-B14F-4D97-AF65-F5344CB8AC3E}">
-        <p14:creationId xmlns="" xmlns:p14="http://schemas.microsoft.com/office/powerpoint/2010/main" val="3179546902"/>
+        <p14:creationId xmlns:p14="http://schemas.microsoft.com/office/powerpoint/2010/main" xmlns="" val="3179546902"/>
       </p:ext>
     </p:extLst>
   </p:cSld>
@@ -4313,7 +4321,7 @@
             <a:fld id="{B61BEF0D-F0BB-DE4B-95CE-6DB70DBA9567}" type="datetimeFigureOut">
               <a:rPr lang="en-US" dirty="0"/>
               <a:pPr/>
-              <a:t>4/28/2024</a:t>
+              <a:t>4/30/2024</a:t>
             </a:fld>
             <a:endParaRPr lang="en-US" dirty="0"/>
           </a:p>
@@ -4365,7 +4373,7 @@
     </p:spTree>
     <p:extLst>
       <p:ext uri="{BB962C8B-B14F-4D97-AF65-F5344CB8AC3E}">
-        <p14:creationId xmlns="" xmlns:p14="http://schemas.microsoft.com/office/powerpoint/2010/main" val="3176778315"/>
+        <p14:creationId xmlns:p14="http://schemas.microsoft.com/office/powerpoint/2010/main" xmlns="" val="3176778315"/>
       </p:ext>
     </p:extLst>
   </p:cSld>
@@ -4439,7 +4447,7 @@
             <a:fld id="{B61BEF0D-F0BB-DE4B-95CE-6DB70DBA9567}" type="datetimeFigureOut">
               <a:rPr lang="en-US" dirty="0"/>
               <a:pPr/>
-              <a:t>4/28/2024</a:t>
+              <a:t>4/30/2024</a:t>
             </a:fld>
             <a:endParaRPr lang="en-US" dirty="0"/>
           </a:p>
@@ -4491,7 +4499,7 @@
     </p:spTree>
     <p:extLst>
       <p:ext uri="{BB962C8B-B14F-4D97-AF65-F5344CB8AC3E}">
-        <p14:creationId xmlns="" xmlns:p14="http://schemas.microsoft.com/office/powerpoint/2010/main" val="3003129154"/>
+        <p14:creationId xmlns:p14="http://schemas.microsoft.com/office/powerpoint/2010/main" xmlns="" val="3003129154"/>
       </p:ext>
     </p:extLst>
   </p:cSld>
@@ -4537,7 +4545,7 @@
             <a:fld id="{B61BEF0D-F0BB-DE4B-95CE-6DB70DBA9567}" type="datetimeFigureOut">
               <a:rPr lang="en-US" dirty="0"/>
               <a:pPr/>
-              <a:t>4/28/2024</a:t>
+              <a:t>4/30/2024</a:t>
             </a:fld>
             <a:endParaRPr lang="en-US" dirty="0"/>
           </a:p>
@@ -4589,7 +4597,7 @@
     </p:spTree>
     <p:extLst>
       <p:ext uri="{BB962C8B-B14F-4D97-AF65-F5344CB8AC3E}">
-        <p14:creationId xmlns="" xmlns:p14="http://schemas.microsoft.com/office/powerpoint/2010/main" val="2210656730"/>
+        <p14:creationId xmlns:p14="http://schemas.microsoft.com/office/powerpoint/2010/main" xmlns="" val="2210656730"/>
       </p:ext>
     </p:extLst>
   </p:cSld>
@@ -4795,7 +4803,7 @@
             <a:fld id="{42A54C80-263E-416B-A8E0-580EDEADCBDC}" type="datetimeFigureOut">
               <a:rPr lang="en-US" dirty="0"/>
               <a:pPr/>
-              <a:t>4/28/2024</a:t>
+              <a:t>4/30/2024</a:t>
             </a:fld>
             <a:endParaRPr lang="en-US" dirty="0"/>
           </a:p>
@@ -4847,7 +4855,7 @@
     </p:spTree>
     <p:extLst>
       <p:ext uri="{BB962C8B-B14F-4D97-AF65-F5344CB8AC3E}">
-        <p14:creationId xmlns="" xmlns:p14="http://schemas.microsoft.com/office/powerpoint/2010/main" val="899001974"/>
+        <p14:creationId xmlns:p14="http://schemas.microsoft.com/office/powerpoint/2010/main" xmlns="" val="899001974"/>
       </p:ext>
     </p:extLst>
   </p:cSld>
@@ -5061,7 +5069,7 @@
             <a:fld id="{B61BEF0D-F0BB-DE4B-95CE-6DB70DBA9567}" type="datetimeFigureOut">
               <a:rPr lang="en-US" dirty="0"/>
               <a:pPr/>
-              <a:t>4/28/2024</a:t>
+              <a:t>4/30/2024</a:t>
             </a:fld>
             <a:endParaRPr lang="en-US" dirty="0"/>
           </a:p>
@@ -5113,7 +5121,7 @@
     </p:spTree>
     <p:extLst>
       <p:ext uri="{BB962C8B-B14F-4D97-AF65-F5344CB8AC3E}">
-        <p14:creationId xmlns="" xmlns:p14="http://schemas.microsoft.com/office/powerpoint/2010/main" val="3606469185"/>
+        <p14:creationId xmlns:p14="http://schemas.microsoft.com/office/powerpoint/2010/main" xmlns="" val="3606469185"/>
       </p:ext>
     </p:extLst>
   </p:cSld>
@@ -5837,7 +5845,7 @@
             <a:fld id="{B61BEF0D-F0BB-DE4B-95CE-6DB70DBA9567}" type="datetimeFigureOut">
               <a:rPr lang="en-US" dirty="0"/>
               <a:pPr/>
-              <a:t>4/28/2024</a:t>
+              <a:t>4/30/2024</a:t>
             </a:fld>
             <a:endParaRPr lang="en-US" dirty="0"/>
           </a:p>
@@ -5923,7 +5931,7 @@
     </p:spTree>
     <p:extLst>
       <p:ext uri="{BB962C8B-B14F-4D97-AF65-F5344CB8AC3E}">
-        <p14:creationId xmlns="" xmlns:p14="http://schemas.microsoft.com/office/powerpoint/2010/main" val="767870897"/>
+        <p14:creationId xmlns:p14="http://schemas.microsoft.com/office/powerpoint/2010/main" xmlns="" val="767870897"/>
       </p:ext>
     </p:extLst>
   </p:cSld>
@@ -6369,7 +6377,7 @@
           <p:cNvPr id="181" name="Рисунок 180">
             <a:extLst>
               <a:ext uri="{FF2B5EF4-FFF2-40B4-BE49-F238E27FC236}">
-                <a16:creationId xmlns="" xmlns:a16="http://schemas.microsoft.com/office/drawing/2014/main" id="{6DFB0B65-BD36-5214-6C22-80A384F8BCD5}"/>
+                <a16:creationId xmlns:a16="http://schemas.microsoft.com/office/drawing/2014/main" xmlns="" id="{6DFB0B65-BD36-5214-6C22-80A384F8BCD5}"/>
               </a:ext>
             </a:extLst>
           </p:cNvPr>
@@ -6382,7 +6390,7 @@
           <a:blip r:embed="rId2" cstate="print">
             <a:extLst>
               <a:ext uri="{28A0092B-C50C-407E-A947-70E740481C1C}">
-                <a14:useLocalDpi xmlns="" xmlns:a14="http://schemas.microsoft.com/office/drawing/2010/main" val="0"/>
+                <a14:useLocalDpi xmlns:a14="http://schemas.microsoft.com/office/drawing/2010/main" xmlns="" val="0"/>
               </a:ext>
             </a:extLst>
           </a:blip>
@@ -6405,7 +6413,7 @@
           <p:cNvPr id="183" name="Рисунок 182">
             <a:extLst>
               <a:ext uri="{FF2B5EF4-FFF2-40B4-BE49-F238E27FC236}">
-                <a16:creationId xmlns="" xmlns:a16="http://schemas.microsoft.com/office/drawing/2014/main" id="{D3A322E7-1D33-C822-1D9B-82DAFAC0970A}"/>
+                <a16:creationId xmlns:a16="http://schemas.microsoft.com/office/drawing/2014/main" xmlns="" id="{D3A322E7-1D33-C822-1D9B-82DAFAC0970A}"/>
               </a:ext>
             </a:extLst>
           </p:cNvPr>
@@ -6418,7 +6426,7 @@
           <a:blip r:embed="rId3" cstate="print">
             <a:extLst>
               <a:ext uri="{28A0092B-C50C-407E-A947-70E740481C1C}">
-                <a14:useLocalDpi xmlns="" xmlns:a14="http://schemas.microsoft.com/office/drawing/2010/main" val="0"/>
+                <a14:useLocalDpi xmlns:a14="http://schemas.microsoft.com/office/drawing/2010/main" xmlns="" val="0"/>
               </a:ext>
             </a:extLst>
           </a:blip>
@@ -6441,7 +6449,7 @@
           <p:cNvPr id="185" name="Рисунок 184">
             <a:extLst>
               <a:ext uri="{FF2B5EF4-FFF2-40B4-BE49-F238E27FC236}">
-                <a16:creationId xmlns="" xmlns:a16="http://schemas.microsoft.com/office/drawing/2014/main" id="{BEC30EA9-6810-F901-F4C6-180B7BFE53C5}"/>
+                <a16:creationId xmlns:a16="http://schemas.microsoft.com/office/drawing/2014/main" xmlns="" id="{BEC30EA9-6810-F901-F4C6-180B7BFE53C5}"/>
               </a:ext>
             </a:extLst>
           </p:cNvPr>
@@ -6454,7 +6462,7 @@
           <a:blip r:embed="rId4" cstate="print">
             <a:extLst>
               <a:ext uri="{28A0092B-C50C-407E-A947-70E740481C1C}">
-                <a14:useLocalDpi xmlns="" xmlns:a14="http://schemas.microsoft.com/office/drawing/2010/main" val="0"/>
+                <a14:useLocalDpi xmlns:a14="http://schemas.microsoft.com/office/drawing/2010/main" xmlns="" val="0"/>
               </a:ext>
             </a:extLst>
           </a:blip>
@@ -6477,7 +6485,7 @@
           <p:cNvPr id="187" name="Рисунок 186">
             <a:extLst>
               <a:ext uri="{FF2B5EF4-FFF2-40B4-BE49-F238E27FC236}">
-                <a16:creationId xmlns="" xmlns:a16="http://schemas.microsoft.com/office/drawing/2014/main" id="{E8E9D250-3EDA-5C5C-9F6F-DB3CF83041E4}"/>
+                <a16:creationId xmlns:a16="http://schemas.microsoft.com/office/drawing/2014/main" xmlns="" id="{E8E9D250-3EDA-5C5C-9F6F-DB3CF83041E4}"/>
               </a:ext>
             </a:extLst>
           </p:cNvPr>
@@ -6490,7 +6498,7 @@
           <a:blip r:embed="rId5" cstate="print">
             <a:extLst>
               <a:ext uri="{28A0092B-C50C-407E-A947-70E740481C1C}">
-                <a14:useLocalDpi xmlns="" xmlns:a14="http://schemas.microsoft.com/office/drawing/2010/main" val="0"/>
+                <a14:useLocalDpi xmlns:a14="http://schemas.microsoft.com/office/drawing/2010/main" xmlns="" val="0"/>
               </a:ext>
             </a:extLst>
           </a:blip>
@@ -6513,7 +6521,7 @@
           <p:cNvPr id="192" name="TextBox 191">
             <a:extLst>
               <a:ext uri="{FF2B5EF4-FFF2-40B4-BE49-F238E27FC236}">
-                <a16:creationId xmlns="" xmlns:a16="http://schemas.microsoft.com/office/drawing/2014/main" id="{75B57780-281F-2910-7C39-A15829D0D763}"/>
+                <a16:creationId xmlns:a16="http://schemas.microsoft.com/office/drawing/2014/main" xmlns="" id="{75B57780-281F-2910-7C39-A15829D0D763}"/>
               </a:ext>
             </a:extLst>
           </p:cNvPr>
@@ -6558,7 +6566,7 @@
           <p:cNvPr id="193" name="TextBox 192">
             <a:extLst>
               <a:ext uri="{FF2B5EF4-FFF2-40B4-BE49-F238E27FC236}">
-                <a16:creationId xmlns="" xmlns:a16="http://schemas.microsoft.com/office/drawing/2014/main" id="{B6AD3963-8AAB-0A28-C9CC-28F9CFA21DBC}"/>
+                <a16:creationId xmlns:a16="http://schemas.microsoft.com/office/drawing/2014/main" xmlns="" id="{B6AD3963-8AAB-0A28-C9CC-28F9CFA21DBC}"/>
               </a:ext>
             </a:extLst>
           </p:cNvPr>
@@ -6610,6 +6618,1818 @@
         </p:txBody>
       </p:sp>
     </p:spTree>
+  </p:cSld>
+  <p:clrMapOvr>
+    <a:masterClrMapping/>
+  </p:clrMapOvr>
+  <p:transition spd="slow"/>
+  <p:timing>
+    <p:tnLst>
+      <p:par>
+        <p:cTn id="1" dur="indefinite" restart="never" nodeType="tmRoot"/>
+      </p:par>
+    </p:tnLst>
+  </p:timing>
+</p:sld>
+</file>
+
+<file path=ppt/slides/slide10.xml><?xml version="1.0" encoding="utf-8"?>
+<p:sld xmlns:a="http://schemas.openxmlformats.org/drawingml/2006/main" xmlns:r="http://schemas.openxmlformats.org/officeDocument/2006/relationships" xmlns:p="http://schemas.openxmlformats.org/presentationml/2006/main">
+  <p:cSld>
+    <p:spTree>
+      <p:nvGrpSpPr>
+        <p:cNvPr id="1" name=""/>
+        <p:cNvGrpSpPr/>
+        <p:nvPr/>
+      </p:nvGrpSpPr>
+      <p:grpSpPr>
+        <a:xfrm>
+          <a:off x="0" y="0"/>
+          <a:ext cx="0" cy="0"/>
+          <a:chOff x="0" y="0"/>
+          <a:chExt cx="0" cy="0"/>
+        </a:xfrm>
+      </p:grpSpPr>
+      <p:sp>
+        <p:nvSpPr>
+          <p:cNvPr id="175" name="Проблема. Какая существует проблема?"/>
+          <p:cNvSpPr txBox="1">
+            <a:spLocks noGrp="1"/>
+          </p:cNvSpPr>
+          <p:nvPr>
+            <p:ph type="body" sz="quarter" idx="1"/>
+          </p:nvPr>
+        </p:nvSpPr>
+        <p:spPr>
+          <a:xfrm>
+            <a:off x="886636" y="4531817"/>
+            <a:ext cx="19953075" cy="1905001"/>
+          </a:xfrm>
+          <a:prstGeom prst="rect">
+            <a:avLst/>
+          </a:prstGeom>
+        </p:spPr>
+        <p:txBody>
+          <a:bodyPr>
+            <a:noAutofit/>
+          </a:bodyPr>
+          <a:lstStyle/>
+          <a:p>
+            <a:r>
+              <a:rPr lang="ru-RU" sz="6500" dirty="0" smtClean="0"/>
+              <a:t>Свободная публикация собственного творчества, полное отсутствие рекламы и </a:t>
+            </a:r>
+            <a:r>
+              <a:rPr lang="ru-RU" sz="6500" dirty="0" err="1" smtClean="0"/>
+              <a:t>доната</a:t>
+            </a:r>
+            <a:r>
+              <a:rPr lang="ru-RU" sz="6500" dirty="0" smtClean="0"/>
+              <a:t> (мы просто не успели их добавить)</a:t>
+            </a:r>
+            <a:endParaRPr lang="ru-RU" sz="6500" dirty="0"/>
+          </a:p>
+        </p:txBody>
+      </p:sp>
+      <p:cxnSp>
+        <p:nvCxnSpPr>
+          <p:cNvPr id="6" name="Прямая соединительная линия 5">
+            <a:extLst>
+              <a:ext uri="{FF2B5EF4-FFF2-40B4-BE49-F238E27FC236}">
+                <a16:creationId xmlns:a16="http://schemas.microsoft.com/office/drawing/2014/main" xmlns="" id="{81405752-4924-49AE-B5B4-720297F8DACC}"/>
+              </a:ext>
+            </a:extLst>
+          </p:cNvPr>
+          <p:cNvCxnSpPr/>
+          <p:nvPr/>
+        </p:nvCxnSpPr>
+        <p:spPr>
+          <a:xfrm>
+            <a:off x="886633" y="4531817"/>
+            <a:ext cx="13926647" cy="0"/>
+          </a:xfrm>
+          <a:prstGeom prst="line">
+            <a:avLst/>
+          </a:prstGeom>
+          <a:ln/>
+        </p:spPr>
+        <p:style>
+          <a:lnRef idx="3">
+            <a:schemeClr val="dk1"/>
+          </a:lnRef>
+          <a:fillRef idx="0">
+            <a:schemeClr val="dk1"/>
+          </a:fillRef>
+          <a:effectRef idx="2">
+            <a:schemeClr val="dk1"/>
+          </a:effectRef>
+          <a:fontRef idx="minor">
+            <a:schemeClr val="tx1"/>
+          </a:fontRef>
+        </p:style>
+      </p:cxnSp>
+      <p:cxnSp>
+        <p:nvCxnSpPr>
+          <p:cNvPr id="8" name="Прямая соединительная линия 7">
+            <a:extLst>
+              <a:ext uri="{FF2B5EF4-FFF2-40B4-BE49-F238E27FC236}">
+                <a16:creationId xmlns:a16="http://schemas.microsoft.com/office/drawing/2014/main" xmlns="" id="{96181586-1320-4FBF-959C-667A0E451D96}"/>
+              </a:ext>
+            </a:extLst>
+          </p:cNvPr>
+          <p:cNvCxnSpPr/>
+          <p:nvPr/>
+        </p:nvCxnSpPr>
+        <p:spPr>
+          <a:xfrm>
+            <a:off x="8616462" y="1776046"/>
+            <a:ext cx="0" cy="0"/>
+          </a:xfrm>
+          <a:prstGeom prst="line">
+            <a:avLst/>
+          </a:prstGeom>
+          <a:noFill/>
+          <a:ln w="25400" cap="flat">
+            <a:solidFill>
+              <a:srgbClr val="000000"/>
+            </a:solidFill>
+            <a:prstDash val="solid"/>
+            <a:miter lim="400000"/>
+          </a:ln>
+          <a:effectLst/>
+          <a:sp3d/>
+        </p:spPr>
+        <p:style>
+          <a:lnRef idx="0">
+            <a:scrgbClr r="0" g="0" b="0"/>
+          </a:lnRef>
+          <a:fillRef idx="0">
+            <a:scrgbClr r="0" g="0" b="0"/>
+          </a:fillRef>
+          <a:effectRef idx="0">
+            <a:scrgbClr r="0" g="0" b="0"/>
+          </a:effectRef>
+          <a:fontRef idx="none"/>
+        </p:style>
+      </p:cxnSp>
+      <p:sp>
+        <p:nvSpPr>
+          <p:cNvPr id="9" name="TextBox 8">
+            <a:extLst>
+              <a:ext uri="{FF2B5EF4-FFF2-40B4-BE49-F238E27FC236}">
+                <a16:creationId xmlns:a16="http://schemas.microsoft.com/office/drawing/2014/main" xmlns="" id="{C91670A9-357A-4966-AFFF-572EDA5F7781}"/>
+              </a:ext>
+            </a:extLst>
+          </p:cNvPr>
+          <p:cNvSpPr txBox="1"/>
+          <p:nvPr/>
+        </p:nvSpPr>
+        <p:spPr>
+          <a:xfrm>
+            <a:off x="886630" y="2660952"/>
+            <a:ext cx="13822147" cy="1579920"/>
+          </a:xfrm>
+          <a:prstGeom prst="rect">
+            <a:avLst/>
+          </a:prstGeom>
+          <a:noFill/>
+          <a:ln w="12700" cap="flat">
+            <a:noFill/>
+            <a:miter lim="400000"/>
+          </a:ln>
+          <a:effectLst/>
+          <a:sp3d/>
+        </p:spPr>
+        <p:style>
+          <a:lnRef idx="0">
+            <a:scrgbClr r="0" g="0" b="0"/>
+          </a:lnRef>
+          <a:fillRef idx="0">
+            <a:scrgbClr r="0" g="0" b="0"/>
+          </a:fillRef>
+          <a:effectRef idx="0">
+            <a:scrgbClr r="0" g="0" b="0"/>
+          </a:effectRef>
+          <a:fontRef idx="none"/>
+        </p:style>
+        <p:txBody>
+          <a:bodyPr rot="0" spcFirstLastPara="1" vertOverflow="overflow" horzOverflow="overflow" vert="horz" wrap="square" lIns="50800" tIns="50800" rIns="50800" bIns="50800" numCol="1" spcCol="38100" rtlCol="0" anchor="ctr">
+            <a:spAutoFit/>
+          </a:bodyPr>
+          <a:lstStyle/>
+          <a:p>
+            <a:pPr marL="0" marR="0" indent="0" algn="l" defTabSz="2438338" rtl="0" fontAlgn="auto" latinLnBrk="0" hangingPunct="0">
+              <a:lnSpc>
+                <a:spcPct val="90000"/>
+              </a:lnSpc>
+              <a:spcBef>
+                <a:spcPts val="4500"/>
+              </a:spcBef>
+              <a:spcAft>
+                <a:spcPts val="0"/>
+              </a:spcAft>
+              <a:buClrTx/>
+              <a:buSzTx/>
+              <a:buFontTx/>
+              <a:buNone/>
+              <a:tabLst/>
+            </a:pPr>
+            <a:r>
+              <a:rPr kumimoji="0" lang="ru-RU" sz="6500" b="1" i="0" u="none" strike="noStrike" cap="none" spc="0" normalizeH="0" baseline="0" dirty="0" smtClean="0">
+                <a:ln>
+                  <a:noFill/>
+                </a:ln>
+                <a:solidFill>
+                  <a:srgbClr val="000000"/>
+                </a:solidFill>
+                <a:effectLst/>
+                <a:uFillTx/>
+                <a:latin typeface="Helvetica Neue (Основной текст)"/>
+                <a:sym typeface="Helvetica Neue"/>
+              </a:rPr>
+              <a:t>Преимущества перед аналогами</a:t>
+            </a:r>
+            <a:endParaRPr kumimoji="0" lang="ru-RU" sz="6500" b="1" i="0" u="none" strike="noStrike" cap="none" spc="0" normalizeH="0" baseline="0" dirty="0">
+              <a:ln>
+                <a:noFill/>
+              </a:ln>
+              <a:solidFill>
+                <a:srgbClr val="000000"/>
+              </a:solidFill>
+              <a:effectLst/>
+              <a:uFillTx/>
+              <a:latin typeface="Helvetica Neue (Основной текст)"/>
+              <a:sym typeface="Helvetica Neue"/>
+            </a:endParaRPr>
+          </a:p>
+        </p:txBody>
+      </p:sp>
+      <p:pic>
+        <p:nvPicPr>
+          <p:cNvPr id="2" name="Рисунок 1">
+            <a:extLst>
+              <a:ext uri="{FF2B5EF4-FFF2-40B4-BE49-F238E27FC236}">
+                <a16:creationId xmlns:a16="http://schemas.microsoft.com/office/drawing/2014/main" xmlns="" id="{72BBD57E-6BCC-00E8-E0E3-02BCEC13AA21}"/>
+              </a:ext>
+            </a:extLst>
+          </p:cNvPr>
+          <p:cNvPicPr>
+            <a:picLocks noChangeAspect="1"/>
+          </p:cNvPicPr>
+          <p:nvPr/>
+        </p:nvPicPr>
+        <p:blipFill>
+          <a:blip r:embed="rId2" cstate="print">
+            <a:extLst>
+              <a:ext uri="{28A0092B-C50C-407E-A947-70E740481C1C}">
+                <a14:useLocalDpi xmlns:a14="http://schemas.microsoft.com/office/drawing/2010/main" xmlns="" val="0"/>
+              </a:ext>
+            </a:extLst>
+          </a:blip>
+          <a:stretch>
+            <a:fillRect/>
+          </a:stretch>
+        </p:blipFill>
+        <p:spPr>
+          <a:xfrm>
+            <a:off x="21905137" y="356507"/>
+            <a:ext cx="1905001" cy="1905001"/>
+          </a:xfrm>
+          <a:prstGeom prst="rect">
+            <a:avLst/>
+          </a:prstGeom>
+        </p:spPr>
+      </p:pic>
+      <p:pic>
+        <p:nvPicPr>
+          <p:cNvPr id="1026" name="Picture 2" descr="D:\Users\Zver\PycharmProjects\DungeonsAndMathematics\data\images\enemies\enemy1\enemy_sniper_right.png"/>
+          <p:cNvPicPr>
+            <a:picLocks noChangeAspect="1" noChangeArrowheads="1"/>
+          </p:cNvPicPr>
+          <p:nvPr/>
+        </p:nvPicPr>
+        <p:blipFill>
+          <a:blip r:embed="rId3" cstate="print"/>
+          <a:srcRect/>
+          <a:stretch>
+            <a:fillRect/>
+          </a:stretch>
+        </p:blipFill>
+        <p:spPr bwMode="auto">
+          <a:xfrm>
+            <a:off x="2841080" y="9322417"/>
+            <a:ext cx="3661319" cy="4393583"/>
+          </a:xfrm>
+          <a:prstGeom prst="rect">
+            <a:avLst/>
+          </a:prstGeom>
+          <a:noFill/>
+        </p:spPr>
+      </p:pic>
+      <p:pic>
+        <p:nvPicPr>
+          <p:cNvPr id="1027" name="Picture 3" descr="D:\Users\Zver\PycharmProjects\DungeonsAndMathematics\data\images\enemies\enemy3\enemy3_left1.png"/>
+          <p:cNvPicPr>
+            <a:picLocks noChangeAspect="1" noChangeArrowheads="1"/>
+          </p:cNvPicPr>
+          <p:nvPr/>
+        </p:nvPicPr>
+        <p:blipFill>
+          <a:blip r:embed="rId4" cstate="print"/>
+          <a:srcRect/>
+          <a:stretch>
+            <a:fillRect/>
+          </a:stretch>
+        </p:blipFill>
+        <p:spPr bwMode="auto">
+          <a:xfrm rot="10800000" flipH="1">
+            <a:off x="14935200" y="0"/>
+            <a:ext cx="2940050" cy="3003550"/>
+          </a:xfrm>
+          <a:prstGeom prst="rect">
+            <a:avLst/>
+          </a:prstGeom>
+          <a:noFill/>
+        </p:spPr>
+      </p:pic>
+      <p:pic>
+        <p:nvPicPr>
+          <p:cNvPr id="1028" name="Picture 4" descr="D:\Users\Zver\PycharmProjects\DungeonsAndMathematics\data\images\weapons\weapon1_right.png"/>
+          <p:cNvPicPr>
+            <a:picLocks noChangeAspect="1" noChangeArrowheads="1"/>
+          </p:cNvPicPr>
+          <p:nvPr/>
+        </p:nvPicPr>
+        <p:blipFill>
+          <a:blip r:embed="rId5" cstate="print"/>
+          <a:srcRect/>
+          <a:stretch>
+            <a:fillRect/>
+          </a:stretch>
+        </p:blipFill>
+        <p:spPr bwMode="auto">
+          <a:xfrm>
+            <a:off x="3108597" y="11257188"/>
+            <a:ext cx="4536803" cy="964077"/>
+          </a:xfrm>
+          <a:prstGeom prst="rect">
+            <a:avLst/>
+          </a:prstGeom>
+          <a:noFill/>
+        </p:spPr>
+      </p:pic>
+      <p:pic>
+        <p:nvPicPr>
+          <p:cNvPr id="1029" name="Picture 5" descr="D:\Users\Zver\PycharmProjects\DungeonsAndMathematics\data\images\weapons\babah.png"/>
+          <p:cNvPicPr>
+            <a:picLocks noChangeAspect="1" noChangeArrowheads="1"/>
+          </p:cNvPicPr>
+          <p:nvPr/>
+        </p:nvPicPr>
+        <p:blipFill>
+          <a:blip r:embed="rId6" cstate="print"/>
+          <a:srcRect/>
+          <a:stretch>
+            <a:fillRect/>
+          </a:stretch>
+        </p:blipFill>
+        <p:spPr bwMode="auto">
+          <a:xfrm>
+            <a:off x="22707600" y="10445750"/>
+            <a:ext cx="1676400" cy="1313180"/>
+          </a:xfrm>
+          <a:prstGeom prst="rect">
+            <a:avLst/>
+          </a:prstGeom>
+          <a:noFill/>
+        </p:spPr>
+      </p:pic>
+    </p:spTree>
+  </p:cSld>
+  <p:clrMapOvr>
+    <a:masterClrMapping/>
+  </p:clrMapOvr>
+  <p:transition spd="slow"/>
+  <p:timing>
+    <p:tnLst>
+      <p:par>
+        <p:cTn id="1" dur="indefinite" restart="never" nodeType="tmRoot"/>
+      </p:par>
+    </p:tnLst>
+  </p:timing>
+</p:sld>
+</file>
+
+<file path=ppt/slides/slide11.xml><?xml version="1.0" encoding="utf-8"?>
+<p:sld xmlns:a="http://schemas.openxmlformats.org/drawingml/2006/main" xmlns:r="http://schemas.openxmlformats.org/officeDocument/2006/relationships" xmlns:p="http://schemas.openxmlformats.org/presentationml/2006/main">
+  <p:cSld>
+    <p:spTree>
+      <p:nvGrpSpPr>
+        <p:cNvPr id="1" name=""/>
+        <p:cNvGrpSpPr/>
+        <p:nvPr/>
+      </p:nvGrpSpPr>
+      <p:grpSpPr>
+        <a:xfrm>
+          <a:off x="0" y="0"/>
+          <a:ext cx="0" cy="0"/>
+          <a:chOff x="0" y="0"/>
+          <a:chExt cx="0" cy="0"/>
+        </a:xfrm>
+      </p:grpSpPr>
+      <p:sp>
+        <p:nvSpPr>
+          <p:cNvPr id="175" name="Проблема. Какая существует проблема?"/>
+          <p:cNvSpPr txBox="1">
+            <a:spLocks noGrp="1"/>
+          </p:cNvSpPr>
+          <p:nvPr>
+            <p:ph type="body" sz="quarter" idx="1"/>
+          </p:nvPr>
+        </p:nvSpPr>
+        <p:spPr>
+          <a:xfrm>
+            <a:off x="886636" y="4531817"/>
+            <a:ext cx="19953075" cy="1905001"/>
+          </a:xfrm>
+          <a:prstGeom prst="rect">
+            <a:avLst/>
+          </a:prstGeom>
+        </p:spPr>
+        <p:txBody>
+          <a:bodyPr>
+            <a:noAutofit/>
+          </a:bodyPr>
+          <a:lstStyle/>
+          <a:p>
+            <a:r>
+              <a:rPr lang="ru-RU" sz="6500" dirty="0" smtClean="0"/>
+              <a:t>Добавление статистики по играм, создание системы подписчиков</a:t>
+            </a:r>
+            <a:endParaRPr lang="ru-RU" sz="6500" dirty="0"/>
+          </a:p>
+        </p:txBody>
+      </p:sp>
+      <p:cxnSp>
+        <p:nvCxnSpPr>
+          <p:cNvPr id="6" name="Прямая соединительная линия 5">
+            <a:extLst>
+              <a:ext uri="{FF2B5EF4-FFF2-40B4-BE49-F238E27FC236}">
+                <a16:creationId xmlns:a16="http://schemas.microsoft.com/office/drawing/2014/main" xmlns="" id="{81405752-4924-49AE-B5B4-720297F8DACC}"/>
+              </a:ext>
+            </a:extLst>
+          </p:cNvPr>
+          <p:cNvCxnSpPr/>
+          <p:nvPr/>
+        </p:nvCxnSpPr>
+        <p:spPr>
+          <a:xfrm>
+            <a:off x="886633" y="4531817"/>
+            <a:ext cx="13926647" cy="0"/>
+          </a:xfrm>
+          <a:prstGeom prst="line">
+            <a:avLst/>
+          </a:prstGeom>
+          <a:ln/>
+        </p:spPr>
+        <p:style>
+          <a:lnRef idx="3">
+            <a:schemeClr val="dk1"/>
+          </a:lnRef>
+          <a:fillRef idx="0">
+            <a:schemeClr val="dk1"/>
+          </a:fillRef>
+          <a:effectRef idx="2">
+            <a:schemeClr val="dk1"/>
+          </a:effectRef>
+          <a:fontRef idx="minor">
+            <a:schemeClr val="tx1"/>
+          </a:fontRef>
+        </p:style>
+      </p:cxnSp>
+      <p:cxnSp>
+        <p:nvCxnSpPr>
+          <p:cNvPr id="8" name="Прямая соединительная линия 7">
+            <a:extLst>
+              <a:ext uri="{FF2B5EF4-FFF2-40B4-BE49-F238E27FC236}">
+                <a16:creationId xmlns:a16="http://schemas.microsoft.com/office/drawing/2014/main" xmlns="" id="{96181586-1320-4FBF-959C-667A0E451D96}"/>
+              </a:ext>
+            </a:extLst>
+          </p:cNvPr>
+          <p:cNvCxnSpPr/>
+          <p:nvPr/>
+        </p:nvCxnSpPr>
+        <p:spPr>
+          <a:xfrm>
+            <a:off x="8616462" y="1776046"/>
+            <a:ext cx="0" cy="0"/>
+          </a:xfrm>
+          <a:prstGeom prst="line">
+            <a:avLst/>
+          </a:prstGeom>
+          <a:noFill/>
+          <a:ln w="25400" cap="flat">
+            <a:solidFill>
+              <a:srgbClr val="000000"/>
+            </a:solidFill>
+            <a:prstDash val="solid"/>
+            <a:miter lim="400000"/>
+          </a:ln>
+          <a:effectLst/>
+          <a:sp3d/>
+        </p:spPr>
+        <p:style>
+          <a:lnRef idx="0">
+            <a:scrgbClr r="0" g="0" b="0"/>
+          </a:lnRef>
+          <a:fillRef idx="0">
+            <a:scrgbClr r="0" g="0" b="0"/>
+          </a:fillRef>
+          <a:effectRef idx="0">
+            <a:scrgbClr r="0" g="0" b="0"/>
+          </a:effectRef>
+          <a:fontRef idx="none"/>
+        </p:style>
+      </p:cxnSp>
+      <p:sp>
+        <p:nvSpPr>
+          <p:cNvPr id="9" name="TextBox 8">
+            <a:extLst>
+              <a:ext uri="{FF2B5EF4-FFF2-40B4-BE49-F238E27FC236}">
+                <a16:creationId xmlns:a16="http://schemas.microsoft.com/office/drawing/2014/main" xmlns="" id="{C91670A9-357A-4966-AFFF-572EDA5F7781}"/>
+              </a:ext>
+            </a:extLst>
+          </p:cNvPr>
+          <p:cNvSpPr txBox="1"/>
+          <p:nvPr/>
+        </p:nvSpPr>
+        <p:spPr>
+          <a:xfrm>
+            <a:off x="886630" y="2660952"/>
+            <a:ext cx="13822147" cy="1579920"/>
+          </a:xfrm>
+          <a:prstGeom prst="rect">
+            <a:avLst/>
+          </a:prstGeom>
+          <a:noFill/>
+          <a:ln w="12700" cap="flat">
+            <a:noFill/>
+            <a:miter lim="400000"/>
+          </a:ln>
+          <a:effectLst/>
+          <a:sp3d/>
+        </p:spPr>
+        <p:style>
+          <a:lnRef idx="0">
+            <a:scrgbClr r="0" g="0" b="0"/>
+          </a:lnRef>
+          <a:fillRef idx="0">
+            <a:scrgbClr r="0" g="0" b="0"/>
+          </a:fillRef>
+          <a:effectRef idx="0">
+            <a:scrgbClr r="0" g="0" b="0"/>
+          </a:effectRef>
+          <a:fontRef idx="none"/>
+        </p:style>
+        <p:txBody>
+          <a:bodyPr rot="0" spcFirstLastPara="1" vertOverflow="overflow" horzOverflow="overflow" vert="horz" wrap="square" lIns="50800" tIns="50800" rIns="50800" bIns="50800" numCol="1" spcCol="38100" rtlCol="0" anchor="ctr">
+            <a:spAutoFit/>
+          </a:bodyPr>
+          <a:lstStyle/>
+          <a:p>
+            <a:pPr marL="0" marR="0" indent="0" algn="l" defTabSz="2438338" rtl="0" fontAlgn="auto" latinLnBrk="0" hangingPunct="0">
+              <a:lnSpc>
+                <a:spcPct val="90000"/>
+              </a:lnSpc>
+              <a:spcBef>
+                <a:spcPts val="4500"/>
+              </a:spcBef>
+              <a:spcAft>
+                <a:spcPts val="0"/>
+              </a:spcAft>
+              <a:buClrTx/>
+              <a:buSzTx/>
+              <a:buFontTx/>
+              <a:buNone/>
+              <a:tabLst/>
+            </a:pPr>
+            <a:r>
+              <a:rPr kumimoji="0" lang="ru-RU" sz="6500" b="1" i="0" u="none" strike="noStrike" cap="none" spc="0" normalizeH="0" baseline="0" dirty="0">
+                <a:ln>
+                  <a:noFill/>
+                </a:ln>
+                <a:solidFill>
+                  <a:srgbClr val="000000"/>
+                </a:solidFill>
+                <a:effectLst/>
+                <a:uFillTx/>
+                <a:latin typeface="Helvetica Neue (Основной текст)"/>
+                <a:sym typeface="Helvetica Neue"/>
+              </a:rPr>
+              <a:t>Перспективы развития проекта</a:t>
+            </a:r>
+          </a:p>
+        </p:txBody>
+      </p:sp>
+      <p:pic>
+        <p:nvPicPr>
+          <p:cNvPr id="2" name="Рисунок 1">
+            <a:extLst>
+              <a:ext uri="{FF2B5EF4-FFF2-40B4-BE49-F238E27FC236}">
+                <a16:creationId xmlns:a16="http://schemas.microsoft.com/office/drawing/2014/main" xmlns="" id="{72BBD57E-6BCC-00E8-E0E3-02BCEC13AA21}"/>
+              </a:ext>
+            </a:extLst>
+          </p:cNvPr>
+          <p:cNvPicPr>
+            <a:picLocks noChangeAspect="1"/>
+          </p:cNvPicPr>
+          <p:nvPr/>
+        </p:nvPicPr>
+        <p:blipFill>
+          <a:blip r:embed="rId2" cstate="print">
+            <a:extLst>
+              <a:ext uri="{28A0092B-C50C-407E-A947-70E740481C1C}">
+                <a14:useLocalDpi xmlns:a14="http://schemas.microsoft.com/office/drawing/2010/main" xmlns="" val="0"/>
+              </a:ext>
+            </a:extLst>
+          </a:blip>
+          <a:stretch>
+            <a:fillRect/>
+          </a:stretch>
+        </p:blipFill>
+        <p:spPr>
+          <a:xfrm>
+            <a:off x="21905137" y="356507"/>
+            <a:ext cx="1905001" cy="1905001"/>
+          </a:xfrm>
+          <a:prstGeom prst="rect">
+            <a:avLst/>
+          </a:prstGeom>
+        </p:spPr>
+      </p:pic>
+      <p:pic>
+        <p:nvPicPr>
+          <p:cNvPr id="1027" name="Picture 3" descr="D:\Users\Zver\PycharmProjects\DungeonsAndMathematics\data\images\enemies\enemy3\enemy3_left1.png"/>
+          <p:cNvPicPr>
+            <a:picLocks noChangeAspect="1" noChangeArrowheads="1"/>
+          </p:cNvPicPr>
+          <p:nvPr/>
+        </p:nvPicPr>
+        <p:blipFill>
+          <a:blip r:embed="rId3" cstate="print"/>
+          <a:srcRect/>
+          <a:stretch>
+            <a:fillRect/>
+          </a:stretch>
+        </p:blipFill>
+        <p:spPr bwMode="auto">
+          <a:xfrm rot="10800000" flipV="1">
+            <a:off x="2007720" y="10749055"/>
+            <a:ext cx="3048373" cy="2966945"/>
+          </a:xfrm>
+          <a:prstGeom prst="rect">
+            <a:avLst/>
+          </a:prstGeom>
+          <a:noFill/>
+        </p:spPr>
+      </p:pic>
+      <p:pic>
+        <p:nvPicPr>
+          <p:cNvPr id="1028" name="Picture 4" descr="D:\Users\Zver\PycharmProjects\DungeonsAndMathematics\data\images\weapons\weapon1_right.png"/>
+          <p:cNvPicPr>
+            <a:picLocks noChangeAspect="1" noChangeArrowheads="1"/>
+          </p:cNvPicPr>
+          <p:nvPr/>
+        </p:nvPicPr>
+        <p:blipFill>
+          <a:blip r:embed="rId4" cstate="print"/>
+          <a:srcRect/>
+          <a:stretch>
+            <a:fillRect/>
+          </a:stretch>
+        </p:blipFill>
+        <p:spPr bwMode="auto">
+          <a:xfrm rot="12887784" flipV="1">
+            <a:off x="19284840" y="11160887"/>
+            <a:ext cx="4536803" cy="1384398"/>
+          </a:xfrm>
+          <a:prstGeom prst="rect">
+            <a:avLst/>
+          </a:prstGeom>
+          <a:noFill/>
+        </p:spPr>
+      </p:pic>
+      <p:pic>
+        <p:nvPicPr>
+          <p:cNvPr id="1029" name="Picture 5" descr="D:\Users\Zver\PycharmProjects\DungeonsAndMathematics\data\images\weapons\babah.png"/>
+          <p:cNvPicPr>
+            <a:picLocks noChangeAspect="1" noChangeArrowheads="1"/>
+          </p:cNvPicPr>
+          <p:nvPr/>
+        </p:nvPicPr>
+        <p:blipFill>
+          <a:blip r:embed="rId5" cstate="print"/>
+          <a:srcRect/>
+          <a:stretch>
+            <a:fillRect/>
+          </a:stretch>
+        </p:blipFill>
+        <p:spPr bwMode="auto">
+          <a:xfrm>
+            <a:off x="15580659" y="7218455"/>
+            <a:ext cx="1676400" cy="1313180"/>
+          </a:xfrm>
+          <a:prstGeom prst="rect">
+            <a:avLst/>
+          </a:prstGeom>
+          <a:noFill/>
+        </p:spPr>
+      </p:pic>
+      <p:pic>
+        <p:nvPicPr>
+          <p:cNvPr id="11" name="Рисунок 10">
+            <a:extLst>
+              <a:ext uri="{FF2B5EF4-FFF2-40B4-BE49-F238E27FC236}">
+                <a16:creationId xmlns:a16="http://schemas.microsoft.com/office/drawing/2014/main" xmlns="" id="{DA51F140-0A95-2B5D-EE96-349B519F9520}"/>
+              </a:ext>
+            </a:extLst>
+          </p:cNvPr>
+          <p:cNvPicPr>
+            <a:picLocks noChangeAspect="1"/>
+          </p:cNvPicPr>
+          <p:nvPr/>
+        </p:nvPicPr>
+        <p:blipFill>
+          <a:blip r:embed="rId6" cstate="print">
+            <a:extLst>
+              <a:ext uri="{28A0092B-C50C-407E-A947-70E740481C1C}">
+                <a14:useLocalDpi xmlns:a14="http://schemas.microsoft.com/office/drawing/2010/main" xmlns="" val="0"/>
+              </a:ext>
+            </a:extLst>
+          </a:blip>
+          <a:stretch>
+            <a:fillRect/>
+          </a:stretch>
+        </p:blipFill>
+        <p:spPr>
+          <a:xfrm rot="9107238">
+            <a:off x="191310" y="-1500317"/>
+            <a:ext cx="2850029" cy="5035052"/>
+          </a:xfrm>
+          <a:prstGeom prst="rect">
+            <a:avLst/>
+          </a:prstGeom>
+        </p:spPr>
+      </p:pic>
+    </p:spTree>
+  </p:cSld>
+  <p:clrMapOvr>
+    <a:masterClrMapping/>
+  </p:clrMapOvr>
+  <p:transition spd="slow"/>
+  <p:timing>
+    <p:tnLst>
+      <p:par>
+        <p:cTn id="1" dur="indefinite" restart="never" nodeType="tmRoot"/>
+      </p:par>
+    </p:tnLst>
+  </p:timing>
+</p:sld>
+</file>
+
+<file path=ppt/slides/slide12.xml><?xml version="1.0" encoding="utf-8"?>
+<p:sld xmlns:a="http://schemas.openxmlformats.org/drawingml/2006/main" xmlns:r="http://schemas.openxmlformats.org/officeDocument/2006/relationships" xmlns:p="http://schemas.openxmlformats.org/presentationml/2006/main">
+  <p:cSld>
+    <p:spTree>
+      <p:nvGrpSpPr>
+        <p:cNvPr id="1" name=""/>
+        <p:cNvGrpSpPr/>
+        <p:nvPr/>
+      </p:nvGrpSpPr>
+      <p:grpSpPr>
+        <a:xfrm>
+          <a:off x="0" y="0"/>
+          <a:ext cx="0" cy="0"/>
+          <a:chOff x="0" y="0"/>
+          <a:chExt cx="0" cy="0"/>
+        </a:xfrm>
+      </p:grpSpPr>
+      <p:cxnSp>
+        <p:nvCxnSpPr>
+          <p:cNvPr id="6" name="Прямая соединительная линия 5">
+            <a:extLst>
+              <a:ext uri="{FF2B5EF4-FFF2-40B4-BE49-F238E27FC236}">
+                <a16:creationId xmlns:a16="http://schemas.microsoft.com/office/drawing/2014/main" xmlns="" id="{81405752-4924-49AE-B5B4-720297F8DACC}"/>
+              </a:ext>
+            </a:extLst>
+          </p:cNvPr>
+          <p:cNvCxnSpPr/>
+          <p:nvPr/>
+        </p:nvCxnSpPr>
+        <p:spPr>
+          <a:xfrm>
+            <a:off x="719543" y="1538885"/>
+            <a:ext cx="12080631" cy="0"/>
+          </a:xfrm>
+          <a:prstGeom prst="line">
+            <a:avLst/>
+          </a:prstGeom>
+          <a:ln/>
+        </p:spPr>
+        <p:style>
+          <a:lnRef idx="3">
+            <a:schemeClr val="dk1"/>
+          </a:lnRef>
+          <a:fillRef idx="0">
+            <a:schemeClr val="dk1"/>
+          </a:fillRef>
+          <a:effectRef idx="2">
+            <a:schemeClr val="dk1"/>
+          </a:effectRef>
+          <a:fontRef idx="minor">
+            <a:schemeClr val="tx1"/>
+          </a:fontRef>
+        </p:style>
+      </p:cxnSp>
+      <p:cxnSp>
+        <p:nvCxnSpPr>
+          <p:cNvPr id="8" name="Прямая соединительная линия 7">
+            <a:extLst>
+              <a:ext uri="{FF2B5EF4-FFF2-40B4-BE49-F238E27FC236}">
+                <a16:creationId xmlns:a16="http://schemas.microsoft.com/office/drawing/2014/main" xmlns="" id="{96181586-1320-4FBF-959C-667A0E451D96}"/>
+              </a:ext>
+            </a:extLst>
+          </p:cNvPr>
+          <p:cNvCxnSpPr/>
+          <p:nvPr/>
+        </p:nvCxnSpPr>
+        <p:spPr>
+          <a:xfrm>
+            <a:off x="8616462" y="1776046"/>
+            <a:ext cx="0" cy="0"/>
+          </a:xfrm>
+          <a:prstGeom prst="line">
+            <a:avLst/>
+          </a:prstGeom>
+          <a:noFill/>
+          <a:ln w="25400" cap="flat">
+            <a:solidFill>
+              <a:srgbClr val="000000"/>
+            </a:solidFill>
+            <a:prstDash val="solid"/>
+            <a:miter lim="400000"/>
+          </a:ln>
+          <a:effectLst/>
+          <a:sp3d/>
+        </p:spPr>
+        <p:style>
+          <a:lnRef idx="0">
+            <a:scrgbClr r="0" g="0" b="0"/>
+          </a:lnRef>
+          <a:fillRef idx="0">
+            <a:scrgbClr r="0" g="0" b="0"/>
+          </a:fillRef>
+          <a:effectRef idx="0">
+            <a:scrgbClr r="0" g="0" b="0"/>
+          </a:effectRef>
+          <a:fontRef idx="none"/>
+        </p:style>
+      </p:cxnSp>
+      <p:sp>
+        <p:nvSpPr>
+          <p:cNvPr id="9" name="TextBox 8">
+            <a:extLst>
+              <a:ext uri="{FF2B5EF4-FFF2-40B4-BE49-F238E27FC236}">
+                <a16:creationId xmlns:a16="http://schemas.microsoft.com/office/drawing/2014/main" xmlns="" id="{C91670A9-357A-4966-AFFF-572EDA5F7781}"/>
+              </a:ext>
+            </a:extLst>
+          </p:cNvPr>
+          <p:cNvSpPr txBox="1"/>
+          <p:nvPr/>
+        </p:nvSpPr>
+        <p:spPr>
+          <a:xfrm>
+            <a:off x="719543" y="269569"/>
+            <a:ext cx="17492257" cy="948978"/>
+          </a:xfrm>
+          <a:prstGeom prst="rect">
+            <a:avLst/>
+          </a:prstGeom>
+          <a:noFill/>
+          <a:ln w="12700" cap="flat">
+            <a:noFill/>
+            <a:miter lim="400000"/>
+          </a:ln>
+          <a:effectLst/>
+          <a:sp3d/>
+        </p:spPr>
+        <p:style>
+          <a:lnRef idx="0">
+            <a:scrgbClr r="0" g="0" b="0"/>
+          </a:lnRef>
+          <a:fillRef idx="0">
+            <a:scrgbClr r="0" g="0" b="0"/>
+          </a:fillRef>
+          <a:effectRef idx="0">
+            <a:scrgbClr r="0" g="0" b="0"/>
+          </a:effectRef>
+          <a:fontRef idx="none"/>
+        </p:style>
+        <p:txBody>
+          <a:bodyPr rot="0" spcFirstLastPara="1" vertOverflow="overflow" horzOverflow="overflow" vert="horz" wrap="square" lIns="50800" tIns="50800" rIns="50800" bIns="50800" numCol="1" spcCol="38100" rtlCol="0" anchor="ctr">
+            <a:spAutoFit/>
+          </a:bodyPr>
+          <a:lstStyle/>
+          <a:p>
+            <a:r>
+              <a:rPr lang="en-US" sz="5500" b="1" dirty="0">
+                <a:latin typeface="Helvetica Neue (Основной текст)"/>
+              </a:rPr>
+              <a:t>QR-</a:t>
+            </a:r>
+            <a:r>
+              <a:rPr lang="ru-RU" sz="5500" b="1" dirty="0">
+                <a:latin typeface="Helvetica Neue (Основной текст)"/>
+              </a:rPr>
+              <a:t>код</a:t>
+            </a:r>
+          </a:p>
+        </p:txBody>
+      </p:sp>
+      <p:sp>
+        <p:nvSpPr>
+          <p:cNvPr id="175" name="Проблема. Какая существует проблема?"/>
+          <p:cNvSpPr txBox="1">
+            <a:spLocks noGrp="1"/>
+          </p:cNvSpPr>
+          <p:nvPr>
+            <p:ph type="body" sz="quarter" idx="1"/>
+          </p:nvPr>
+        </p:nvSpPr>
+        <p:spPr>
+          <a:xfrm flipH="1">
+            <a:off x="552450" y="5981699"/>
+            <a:ext cx="334187" cy="1828793"/>
+          </a:xfrm>
+          <a:prstGeom prst="rect">
+            <a:avLst/>
+          </a:prstGeom>
+        </p:spPr>
+        <p:txBody>
+          <a:bodyPr>
+            <a:noAutofit/>
+          </a:bodyPr>
+          <a:lstStyle/>
+          <a:p>
+            <a:pPr algn="just"/>
+            <a:r>
+              <a:rPr lang="ru-RU" sz="5000" dirty="0"/>
+              <a:t> </a:t>
+            </a:r>
+            <a:endParaRPr sz="5000" dirty="0"/>
+          </a:p>
+        </p:txBody>
+      </p:sp>
+      <p:pic>
+        <p:nvPicPr>
+          <p:cNvPr id="2" name="Рисунок 1">
+            <a:extLst>
+              <a:ext uri="{FF2B5EF4-FFF2-40B4-BE49-F238E27FC236}">
+                <a16:creationId xmlns:a16="http://schemas.microsoft.com/office/drawing/2014/main" xmlns="" id="{7385D42A-F689-5E81-3CBE-F2ED7E3D2DB0}"/>
+              </a:ext>
+            </a:extLst>
+          </p:cNvPr>
+          <p:cNvPicPr>
+            <a:picLocks noChangeAspect="1"/>
+          </p:cNvPicPr>
+          <p:nvPr/>
+        </p:nvPicPr>
+        <p:blipFill>
+          <a:blip r:embed="rId2" cstate="print">
+            <a:extLst>
+              <a:ext uri="{28A0092B-C50C-407E-A947-70E740481C1C}">
+                <a14:useLocalDpi xmlns:a14="http://schemas.microsoft.com/office/drawing/2010/main" xmlns="" val="0"/>
+              </a:ext>
+            </a:extLst>
+          </a:blip>
+          <a:stretch>
+            <a:fillRect/>
+          </a:stretch>
+        </p:blipFill>
+        <p:spPr>
+          <a:xfrm>
+            <a:off x="21905137" y="356507"/>
+            <a:ext cx="1905001" cy="1905001"/>
+          </a:xfrm>
+          <a:prstGeom prst="rect">
+            <a:avLst/>
+          </a:prstGeom>
+        </p:spPr>
+      </p:pic>
+      <p:pic>
+        <p:nvPicPr>
+          <p:cNvPr id="10" name="Рисунок 9" descr="qr-code.png"/>
+          <p:cNvPicPr>
+            <a:picLocks noChangeAspect="1"/>
+          </p:cNvPicPr>
+          <p:nvPr/>
+        </p:nvPicPr>
+        <p:blipFill>
+          <a:blip r:embed="rId3" cstate="print"/>
+          <a:stretch>
+            <a:fillRect/>
+          </a:stretch>
+        </p:blipFill>
+        <p:spPr>
+          <a:xfrm>
+            <a:off x="988638" y="1822356"/>
+            <a:ext cx="11194397" cy="11194397"/>
+          </a:xfrm>
+          <a:prstGeom prst="rect">
+            <a:avLst/>
+          </a:prstGeom>
+        </p:spPr>
+      </p:pic>
+      <p:pic>
+        <p:nvPicPr>
+          <p:cNvPr id="11" name="Рисунок 10">
+            <a:extLst>
+              <a:ext uri="{FF2B5EF4-FFF2-40B4-BE49-F238E27FC236}">
+                <a16:creationId xmlns:a16="http://schemas.microsoft.com/office/drawing/2014/main" xmlns="" id="{D3A322E7-1D33-C822-1D9B-82DAFAC0970A}"/>
+              </a:ext>
+            </a:extLst>
+          </p:cNvPr>
+          <p:cNvPicPr>
+            <a:picLocks noChangeAspect="1"/>
+          </p:cNvPicPr>
+          <p:nvPr/>
+        </p:nvPicPr>
+        <p:blipFill>
+          <a:blip r:embed="rId4" cstate="print">
+            <a:extLst>
+              <a:ext uri="{28A0092B-C50C-407E-A947-70E740481C1C}">
+                <a14:useLocalDpi xmlns:a14="http://schemas.microsoft.com/office/drawing/2010/main" xmlns="" val="0"/>
+              </a:ext>
+            </a:extLst>
+          </a:blip>
+          <a:stretch>
+            <a:fillRect/>
+          </a:stretch>
+        </p:blipFill>
+        <p:spPr>
+          <a:xfrm flipH="1">
+            <a:off x="14818659" y="6934749"/>
+            <a:ext cx="3644540" cy="6781251"/>
+          </a:xfrm>
+          <a:prstGeom prst="rect">
+            <a:avLst/>
+          </a:prstGeom>
+        </p:spPr>
+      </p:pic>
+      <p:pic>
+        <p:nvPicPr>
+          <p:cNvPr id="12" name="Рисунок 11">
+            <a:extLst>
+              <a:ext uri="{FF2B5EF4-FFF2-40B4-BE49-F238E27FC236}">
+                <a16:creationId xmlns:a16="http://schemas.microsoft.com/office/drawing/2014/main" xmlns="" id="{D3A322E7-1D33-C822-1D9B-82DAFAC0970A}"/>
+              </a:ext>
+            </a:extLst>
+          </p:cNvPr>
+          <p:cNvPicPr>
+            <a:picLocks noChangeAspect="1"/>
+          </p:cNvPicPr>
+          <p:nvPr/>
+        </p:nvPicPr>
+        <p:blipFill>
+          <a:blip r:embed="rId4" cstate="print">
+            <a:extLst>
+              <a:ext uri="{28A0092B-C50C-407E-A947-70E740481C1C}">
+                <a14:useLocalDpi xmlns:a14="http://schemas.microsoft.com/office/drawing/2010/main" xmlns="" val="0"/>
+              </a:ext>
+            </a:extLst>
+          </a:blip>
+          <a:stretch>
+            <a:fillRect/>
+          </a:stretch>
+        </p:blipFill>
+        <p:spPr>
+          <a:xfrm>
+            <a:off x="18637623" y="6934749"/>
+            <a:ext cx="3702424" cy="6781251"/>
+          </a:xfrm>
+          <a:prstGeom prst="rect">
+            <a:avLst/>
+          </a:prstGeom>
+        </p:spPr>
+      </p:pic>
+    </p:spTree>
+    <p:extLst>
+      <p:ext uri="{BB962C8B-B14F-4D97-AF65-F5344CB8AC3E}">
+        <p14:creationId xmlns:p14="http://schemas.microsoft.com/office/powerpoint/2010/main" xmlns="" val="4215545952"/>
+      </p:ext>
+    </p:extLst>
+  </p:cSld>
+  <p:clrMapOvr>
+    <a:masterClrMapping/>
+  </p:clrMapOvr>
+  <p:transition spd="slow"/>
+  <p:timing>
+    <p:tnLst>
+      <p:par>
+        <p:cTn id="1" dur="indefinite" restart="never" nodeType="tmRoot"/>
+      </p:par>
+    </p:tnLst>
+  </p:timing>
+</p:sld>
+</file>
+
+<file path=ppt/slides/slide13.xml><?xml version="1.0" encoding="utf-8"?>
+<p:sld xmlns:a="http://schemas.openxmlformats.org/drawingml/2006/main" xmlns:r="http://schemas.openxmlformats.org/officeDocument/2006/relationships" xmlns:p="http://schemas.openxmlformats.org/presentationml/2006/main">
+  <p:cSld>
+    <p:spTree>
+      <p:nvGrpSpPr>
+        <p:cNvPr id="1" name=""/>
+        <p:cNvGrpSpPr/>
+        <p:nvPr/>
+      </p:nvGrpSpPr>
+      <p:grpSpPr>
+        <a:xfrm>
+          <a:off x="0" y="0"/>
+          <a:ext cx="0" cy="0"/>
+          <a:chOff x="0" y="0"/>
+          <a:chExt cx="0" cy="0"/>
+        </a:xfrm>
+      </p:grpSpPr>
+      <p:cxnSp>
+        <p:nvCxnSpPr>
+          <p:cNvPr id="6" name="Прямая соединительная линия 5">
+            <a:extLst>
+              <a:ext uri="{FF2B5EF4-FFF2-40B4-BE49-F238E27FC236}">
+                <a16:creationId xmlns:a16="http://schemas.microsoft.com/office/drawing/2014/main" xmlns="" id="{81405752-4924-49AE-B5B4-720297F8DACC}"/>
+              </a:ext>
+            </a:extLst>
+          </p:cNvPr>
+          <p:cNvCxnSpPr/>
+          <p:nvPr/>
+        </p:nvCxnSpPr>
+        <p:spPr>
+          <a:xfrm>
+            <a:off x="886633" y="1458387"/>
+            <a:ext cx="12080631" cy="0"/>
+          </a:xfrm>
+          <a:prstGeom prst="line">
+            <a:avLst/>
+          </a:prstGeom>
+          <a:ln/>
+        </p:spPr>
+        <p:style>
+          <a:lnRef idx="3">
+            <a:schemeClr val="dk1"/>
+          </a:lnRef>
+          <a:fillRef idx="0">
+            <a:schemeClr val="dk1"/>
+          </a:fillRef>
+          <a:effectRef idx="2">
+            <a:schemeClr val="dk1"/>
+          </a:effectRef>
+          <a:fontRef idx="minor">
+            <a:schemeClr val="tx1"/>
+          </a:fontRef>
+        </p:style>
+      </p:cxnSp>
+      <p:cxnSp>
+        <p:nvCxnSpPr>
+          <p:cNvPr id="8" name="Прямая соединительная линия 7">
+            <a:extLst>
+              <a:ext uri="{FF2B5EF4-FFF2-40B4-BE49-F238E27FC236}">
+                <a16:creationId xmlns:a16="http://schemas.microsoft.com/office/drawing/2014/main" xmlns="" id="{96181586-1320-4FBF-959C-667A0E451D96}"/>
+              </a:ext>
+            </a:extLst>
+          </p:cNvPr>
+          <p:cNvCxnSpPr/>
+          <p:nvPr/>
+        </p:nvCxnSpPr>
+        <p:spPr>
+          <a:xfrm>
+            <a:off x="8616462" y="1776046"/>
+            <a:ext cx="0" cy="0"/>
+          </a:xfrm>
+          <a:prstGeom prst="line">
+            <a:avLst/>
+          </a:prstGeom>
+          <a:noFill/>
+          <a:ln w="25400" cap="flat">
+            <a:solidFill>
+              <a:srgbClr val="000000"/>
+            </a:solidFill>
+            <a:prstDash val="solid"/>
+            <a:miter lim="400000"/>
+          </a:ln>
+          <a:effectLst/>
+          <a:sp3d/>
+        </p:spPr>
+        <p:style>
+          <a:lnRef idx="0">
+            <a:scrgbClr r="0" g="0" b="0"/>
+          </a:lnRef>
+          <a:fillRef idx="0">
+            <a:scrgbClr r="0" g="0" b="0"/>
+          </a:fillRef>
+          <a:effectRef idx="0">
+            <a:scrgbClr r="0" g="0" b="0"/>
+          </a:effectRef>
+          <a:fontRef idx="none"/>
+        </p:style>
+      </p:cxnSp>
+      <p:sp>
+        <p:nvSpPr>
+          <p:cNvPr id="9" name="TextBox 8">
+            <a:extLst>
+              <a:ext uri="{FF2B5EF4-FFF2-40B4-BE49-F238E27FC236}">
+                <a16:creationId xmlns:a16="http://schemas.microsoft.com/office/drawing/2014/main" xmlns="" id="{C91670A9-357A-4966-AFFF-572EDA5F7781}"/>
+              </a:ext>
+            </a:extLst>
+          </p:cNvPr>
+          <p:cNvSpPr txBox="1"/>
+          <p:nvPr/>
+        </p:nvSpPr>
+        <p:spPr>
+          <a:xfrm>
+            <a:off x="886633" y="-37860"/>
+            <a:ext cx="22412985" cy="1441420"/>
+          </a:xfrm>
+          <a:prstGeom prst="rect">
+            <a:avLst/>
+          </a:prstGeom>
+          <a:noFill/>
+          <a:ln w="12700" cap="flat">
+            <a:noFill/>
+            <a:miter lim="400000"/>
+          </a:ln>
+          <a:effectLst/>
+          <a:sp3d/>
+        </p:spPr>
+        <p:style>
+          <a:lnRef idx="0">
+            <a:scrgbClr r="0" g="0" b="0"/>
+          </a:lnRef>
+          <a:fillRef idx="0">
+            <a:scrgbClr r="0" g="0" b="0"/>
+          </a:fillRef>
+          <a:effectRef idx="0">
+            <a:scrgbClr r="0" g="0" b="0"/>
+          </a:effectRef>
+          <a:fontRef idx="none"/>
+        </p:style>
+        <p:txBody>
+          <a:bodyPr rot="0" spcFirstLastPara="1" vertOverflow="overflow" horzOverflow="overflow" vert="horz" wrap="square" lIns="50800" tIns="50800" rIns="50800" bIns="50800" numCol="1" spcCol="38100" rtlCol="0" anchor="ctr">
+            <a:spAutoFit/>
+          </a:bodyPr>
+          <a:lstStyle/>
+          <a:p>
+            <a:r>
+              <a:rPr lang="ru-RU" sz="5500" b="1" dirty="0">
+                <a:latin typeface="Helvetica Neue (Основной текст)"/>
+              </a:rPr>
+              <a:t>Наша команда</a:t>
+            </a:r>
+          </a:p>
+        </p:txBody>
+      </p:sp>
+      <p:pic>
+        <p:nvPicPr>
+          <p:cNvPr id="3" name="Рисунок 2">
+            <a:extLst>
+              <a:ext uri="{FF2B5EF4-FFF2-40B4-BE49-F238E27FC236}">
+                <a16:creationId xmlns:a16="http://schemas.microsoft.com/office/drawing/2014/main" xmlns="" id="{29B66707-A1AD-2719-F951-89E4CD58D7B2}"/>
+              </a:ext>
+            </a:extLst>
+          </p:cNvPr>
+          <p:cNvPicPr>
+            <a:picLocks noChangeAspect="1"/>
+          </p:cNvPicPr>
+          <p:nvPr/>
+        </p:nvPicPr>
+        <p:blipFill>
+          <a:blip r:embed="rId2" cstate="print">
+            <a:extLst>
+              <a:ext uri="{28A0092B-C50C-407E-A947-70E740481C1C}">
+                <a14:useLocalDpi xmlns:a14="http://schemas.microsoft.com/office/drawing/2010/main" xmlns="" val="0"/>
+              </a:ext>
+            </a:extLst>
+          </a:blip>
+          <a:stretch>
+            <a:fillRect/>
+          </a:stretch>
+        </p:blipFill>
+        <p:spPr>
+          <a:xfrm>
+            <a:off x="21905137" y="356507"/>
+            <a:ext cx="1905001" cy="1905001"/>
+          </a:xfrm>
+          <a:prstGeom prst="rect">
+            <a:avLst/>
+          </a:prstGeom>
+        </p:spPr>
+      </p:pic>
+      <p:sp>
+        <p:nvSpPr>
+          <p:cNvPr id="12" name="Овал 11"/>
+          <p:cNvSpPr/>
+          <p:nvPr/>
+        </p:nvSpPr>
+        <p:spPr>
+          <a:xfrm>
+            <a:off x="376517" y="1854306"/>
+            <a:ext cx="5054600" cy="5054600"/>
+          </a:xfrm>
+          <a:prstGeom prst="ellipse">
+            <a:avLst/>
+          </a:prstGeom>
+          <a:blipFill>
+            <a:blip r:embed="rId3" cstate="print"/>
+            <a:stretch>
+              <a:fillRect/>
+            </a:stretch>
+          </a:blipFill>
+        </p:spPr>
+        <p:style>
+          <a:lnRef idx="2">
+            <a:schemeClr val="accent1">
+              <a:shade val="50000"/>
+            </a:schemeClr>
+          </a:lnRef>
+          <a:fillRef idx="1">
+            <a:schemeClr val="accent1"/>
+          </a:fillRef>
+          <a:effectRef idx="0">
+            <a:schemeClr val="accent1"/>
+          </a:effectRef>
+          <a:fontRef idx="minor">
+            <a:schemeClr val="lt1"/>
+          </a:fontRef>
+        </p:style>
+        <p:txBody>
+          <a:bodyPr rtlCol="0" anchor="ctr"/>
+          <a:lstStyle/>
+          <a:p>
+            <a:pPr algn="ctr"/>
+            <a:endParaRPr lang="ru-RU"/>
+          </a:p>
+        </p:txBody>
+      </p:sp>
+      <p:sp>
+        <p:nvSpPr>
+          <p:cNvPr id="13" name="TextBox 12"/>
+          <p:cNvSpPr txBox="1"/>
+          <p:nvPr/>
+        </p:nvSpPr>
+        <p:spPr>
+          <a:xfrm>
+            <a:off x="575236" y="7182223"/>
+            <a:ext cx="4902200" cy="923330"/>
+          </a:xfrm>
+          <a:prstGeom prst="rect">
+            <a:avLst/>
+          </a:prstGeom>
+          <a:noFill/>
+        </p:spPr>
+        <p:txBody>
+          <a:bodyPr wrap="square" rtlCol="0">
+            <a:spAutoFit/>
+          </a:bodyPr>
+          <a:lstStyle/>
+          <a:p>
+            <a:r>
+              <a:rPr lang="ru-RU" sz="5400" dirty="0" err="1"/>
+              <a:t>Базин</a:t>
+            </a:r>
+            <a:r>
+              <a:rPr lang="ru-RU" sz="5400" dirty="0"/>
+              <a:t> Алексей</a:t>
+            </a:r>
+          </a:p>
+        </p:txBody>
+      </p:sp>
+      <p:sp>
+        <p:nvSpPr>
+          <p:cNvPr id="14" name="Овал 13"/>
+          <p:cNvSpPr/>
+          <p:nvPr/>
+        </p:nvSpPr>
+        <p:spPr>
+          <a:xfrm>
+            <a:off x="7086813" y="8317860"/>
+            <a:ext cx="5054600" cy="5054600"/>
+          </a:xfrm>
+          <a:prstGeom prst="ellipse">
+            <a:avLst/>
+          </a:prstGeom>
+          <a:blipFill>
+            <a:blip r:embed="rId4" cstate="print"/>
+            <a:stretch>
+              <a:fillRect/>
+            </a:stretch>
+          </a:blipFill>
+        </p:spPr>
+        <p:style>
+          <a:lnRef idx="2">
+            <a:schemeClr val="accent1">
+              <a:shade val="50000"/>
+            </a:schemeClr>
+          </a:lnRef>
+          <a:fillRef idx="1">
+            <a:schemeClr val="accent1"/>
+          </a:fillRef>
+          <a:effectRef idx="0">
+            <a:schemeClr val="accent1"/>
+          </a:effectRef>
+          <a:fontRef idx="minor">
+            <a:schemeClr val="lt1"/>
+          </a:fontRef>
+        </p:style>
+        <p:txBody>
+          <a:bodyPr rtlCol="0" anchor="ctr"/>
+          <a:lstStyle/>
+          <a:p>
+            <a:pPr algn="ctr"/>
+            <a:endParaRPr lang="ru-RU"/>
+          </a:p>
+        </p:txBody>
+      </p:sp>
+      <p:sp>
+        <p:nvSpPr>
+          <p:cNvPr id="15" name="TextBox 14"/>
+          <p:cNvSpPr txBox="1"/>
+          <p:nvPr/>
+        </p:nvSpPr>
+        <p:spPr>
+          <a:xfrm>
+            <a:off x="7298766" y="7195671"/>
+            <a:ext cx="4902200" cy="923330"/>
+          </a:xfrm>
+          <a:prstGeom prst="rect">
+            <a:avLst/>
+          </a:prstGeom>
+          <a:noFill/>
+        </p:spPr>
+        <p:txBody>
+          <a:bodyPr wrap="square" rtlCol="0">
+            <a:spAutoFit/>
+          </a:bodyPr>
+          <a:lstStyle/>
+          <a:p>
+            <a:r>
+              <a:rPr lang="ru-RU" sz="5400" dirty="0"/>
+              <a:t>Кощеев Вадим</a:t>
+            </a:r>
+          </a:p>
+        </p:txBody>
+      </p:sp>
+      <p:sp>
+        <p:nvSpPr>
+          <p:cNvPr id="11" name="Овал 10"/>
+          <p:cNvSpPr/>
+          <p:nvPr/>
+        </p:nvSpPr>
+        <p:spPr>
+          <a:xfrm>
+            <a:off x="13384305" y="1603294"/>
+            <a:ext cx="5054600" cy="5054600"/>
+          </a:xfrm>
+          <a:prstGeom prst="ellipse">
+            <a:avLst/>
+          </a:prstGeom>
+          <a:blipFill>
+            <a:blip r:embed="rId5" cstate="print"/>
+            <a:stretch>
+              <a:fillRect/>
+            </a:stretch>
+          </a:blipFill>
+        </p:spPr>
+        <p:style>
+          <a:lnRef idx="2">
+            <a:schemeClr val="accent1">
+              <a:shade val="50000"/>
+            </a:schemeClr>
+          </a:lnRef>
+          <a:fillRef idx="1">
+            <a:schemeClr val="accent1"/>
+          </a:fillRef>
+          <a:effectRef idx="0">
+            <a:schemeClr val="accent1"/>
+          </a:effectRef>
+          <a:fontRef idx="minor">
+            <a:schemeClr val="lt1"/>
+          </a:fontRef>
+        </p:style>
+        <p:txBody>
+          <a:bodyPr rtlCol="0" anchor="ctr"/>
+          <a:lstStyle/>
+          <a:p>
+            <a:pPr algn="ctr"/>
+            <a:endParaRPr lang="ru-RU"/>
+          </a:p>
+        </p:txBody>
+      </p:sp>
+      <p:sp>
+        <p:nvSpPr>
+          <p:cNvPr id="16" name="TextBox 15"/>
+          <p:cNvSpPr txBox="1"/>
+          <p:nvPr/>
+        </p:nvSpPr>
+        <p:spPr>
+          <a:xfrm>
+            <a:off x="13663706" y="7159812"/>
+            <a:ext cx="4902200" cy="923330"/>
+          </a:xfrm>
+          <a:prstGeom prst="rect">
+            <a:avLst/>
+          </a:prstGeom>
+          <a:noFill/>
+        </p:spPr>
+        <p:txBody>
+          <a:bodyPr wrap="square" rtlCol="0">
+            <a:spAutoFit/>
+          </a:bodyPr>
+          <a:lstStyle/>
+          <a:p>
+            <a:pPr algn="ctr"/>
+            <a:r>
+              <a:rPr lang="ru-RU" sz="5400" dirty="0" smtClean="0"/>
+              <a:t>Юра Бедный</a:t>
+            </a:r>
+            <a:endParaRPr lang="ru-RU" sz="5400" dirty="0"/>
+          </a:p>
+        </p:txBody>
+      </p:sp>
+    </p:spTree>
+    <p:extLst>
+      <p:ext uri="{BB962C8B-B14F-4D97-AF65-F5344CB8AC3E}">
+        <p14:creationId xmlns:p14="http://schemas.microsoft.com/office/powerpoint/2010/main" xmlns="" val="892662070"/>
+      </p:ext>
+    </p:extLst>
+  </p:cSld>
+  <p:clrMapOvr>
+    <a:masterClrMapping/>
+  </p:clrMapOvr>
+  <p:transition spd="slow"/>
+  <p:timing>
+    <p:tnLst>
+      <p:par>
+        <p:cTn id="1" dur="indefinite" restart="never" nodeType="tmRoot"/>
+      </p:par>
+    </p:tnLst>
+  </p:timing>
+</p:sld>
+</file>
+
+<file path=ppt/slides/slide14.xml><?xml version="1.0" encoding="utf-8"?>
+<p:sld xmlns:a="http://schemas.openxmlformats.org/drawingml/2006/main" xmlns:r="http://schemas.openxmlformats.org/officeDocument/2006/relationships" xmlns:p="http://schemas.openxmlformats.org/presentationml/2006/main">
+  <p:cSld>
+    <p:spTree>
+      <p:nvGrpSpPr>
+        <p:cNvPr id="1" name=""/>
+        <p:cNvGrpSpPr/>
+        <p:nvPr/>
+      </p:nvGrpSpPr>
+      <p:grpSpPr>
+        <a:xfrm>
+          <a:off x="0" y="0"/>
+          <a:ext cx="0" cy="0"/>
+          <a:chOff x="0" y="0"/>
+          <a:chExt cx="0" cy="0"/>
+        </a:xfrm>
+      </p:grpSpPr>
+      <p:cxnSp>
+        <p:nvCxnSpPr>
+          <p:cNvPr id="8" name="Прямая соединительная линия 7">
+            <a:extLst>
+              <a:ext uri="{FF2B5EF4-FFF2-40B4-BE49-F238E27FC236}">
+                <a16:creationId xmlns:a16="http://schemas.microsoft.com/office/drawing/2014/main" xmlns="" id="{96181586-1320-4FBF-959C-667A0E451D96}"/>
+              </a:ext>
+            </a:extLst>
+          </p:cNvPr>
+          <p:cNvCxnSpPr/>
+          <p:nvPr/>
+        </p:nvCxnSpPr>
+        <p:spPr>
+          <a:xfrm>
+            <a:off x="8616462" y="1776046"/>
+            <a:ext cx="0" cy="0"/>
+          </a:xfrm>
+          <a:prstGeom prst="line">
+            <a:avLst/>
+          </a:prstGeom>
+          <a:noFill/>
+          <a:ln w="25400" cap="flat">
+            <a:solidFill>
+              <a:srgbClr val="000000"/>
+            </a:solidFill>
+            <a:prstDash val="solid"/>
+            <a:miter lim="400000"/>
+          </a:ln>
+          <a:effectLst/>
+          <a:sp3d/>
+        </p:spPr>
+        <p:style>
+          <a:lnRef idx="0">
+            <a:scrgbClr r="0" g="0" b="0"/>
+          </a:lnRef>
+          <a:fillRef idx="0">
+            <a:scrgbClr r="0" g="0" b="0"/>
+          </a:fillRef>
+          <a:effectRef idx="0">
+            <a:scrgbClr r="0" g="0" b="0"/>
+          </a:effectRef>
+          <a:fontRef idx="none"/>
+        </p:style>
+      </p:cxnSp>
+      <p:pic>
+        <p:nvPicPr>
+          <p:cNvPr id="3" name="Рисунок 2">
+            <a:extLst>
+              <a:ext uri="{FF2B5EF4-FFF2-40B4-BE49-F238E27FC236}">
+                <a16:creationId xmlns:a16="http://schemas.microsoft.com/office/drawing/2014/main" xmlns="" id="{29B66707-A1AD-2719-F951-89E4CD58D7B2}"/>
+              </a:ext>
+            </a:extLst>
+          </p:cNvPr>
+          <p:cNvPicPr>
+            <a:picLocks noChangeAspect="1"/>
+          </p:cNvPicPr>
+          <p:nvPr/>
+        </p:nvPicPr>
+        <p:blipFill>
+          <a:blip r:embed="rId2" cstate="print">
+            <a:extLst>
+              <a:ext uri="{28A0092B-C50C-407E-A947-70E740481C1C}">
+                <a14:useLocalDpi xmlns:a14="http://schemas.microsoft.com/office/drawing/2010/main" xmlns="" val="0"/>
+              </a:ext>
+            </a:extLst>
+          </a:blip>
+          <a:stretch>
+            <a:fillRect/>
+          </a:stretch>
+        </p:blipFill>
+        <p:spPr>
+          <a:xfrm>
+            <a:off x="21905137" y="356507"/>
+            <a:ext cx="1905001" cy="1905001"/>
+          </a:xfrm>
+          <a:prstGeom prst="rect">
+            <a:avLst/>
+          </a:prstGeom>
+        </p:spPr>
+      </p:pic>
+      <p:sp>
+        <p:nvSpPr>
+          <p:cNvPr id="10" name="TextBox 9"/>
+          <p:cNvSpPr txBox="1"/>
+          <p:nvPr/>
+        </p:nvSpPr>
+        <p:spPr>
+          <a:xfrm>
+            <a:off x="2796988" y="4141694"/>
+            <a:ext cx="15652377" cy="1785104"/>
+          </a:xfrm>
+          <a:prstGeom prst="rect">
+            <a:avLst/>
+          </a:prstGeom>
+          <a:noFill/>
+        </p:spPr>
+        <p:txBody>
+          <a:bodyPr wrap="square" rtlCol="0">
+            <a:spAutoFit/>
+          </a:bodyPr>
+          <a:lstStyle/>
+          <a:p>
+            <a:pPr algn="ctr"/>
+            <a:r>
+              <a:rPr lang="ru-RU" sz="11000" b="1" dirty="0" smtClean="0"/>
+              <a:t>Спасибо за внимание!</a:t>
+            </a:r>
+            <a:endParaRPr lang="ru-RU" sz="11000" b="1" dirty="0"/>
+          </a:p>
+        </p:txBody>
+      </p:sp>
+      <p:pic>
+        <p:nvPicPr>
+          <p:cNvPr id="2050" name="Picture 2" descr="D:\Users\Zver\PycharmProjects\DungeonsAndMathematics\data\images\ura\default\ura_left_st.png"/>
+          <p:cNvPicPr>
+            <a:picLocks noChangeAspect="1" noChangeArrowheads="1"/>
+          </p:cNvPicPr>
+          <p:nvPr/>
+        </p:nvPicPr>
+        <p:blipFill>
+          <a:blip r:embed="rId3" cstate="print"/>
+          <a:srcRect/>
+          <a:stretch>
+            <a:fillRect/>
+          </a:stretch>
+        </p:blipFill>
+        <p:spPr bwMode="auto">
+          <a:xfrm flipH="1">
+            <a:off x="457199" y="7307262"/>
+            <a:ext cx="3630707" cy="6408738"/>
+          </a:xfrm>
+          <a:prstGeom prst="rect">
+            <a:avLst/>
+          </a:prstGeom>
+          <a:noFill/>
+        </p:spPr>
+      </p:pic>
+      <p:sp>
+        <p:nvSpPr>
+          <p:cNvPr id="17" name="Скругленная прямоугольная выноска 16"/>
+          <p:cNvSpPr/>
+          <p:nvPr/>
+        </p:nvSpPr>
+        <p:spPr>
+          <a:xfrm>
+            <a:off x="833718" y="3415553"/>
+            <a:ext cx="18798988" cy="2958353"/>
+          </a:xfrm>
+          <a:prstGeom prst="wedgeRoundRectCallout">
+            <a:avLst>
+              <a:gd name="adj1" fmla="val -33709"/>
+              <a:gd name="adj2" fmla="val 102500"/>
+              <a:gd name="adj3" fmla="val 16667"/>
+            </a:avLst>
+          </a:prstGeom>
+          <a:solidFill>
+            <a:srgbClr val="92D050"/>
+          </a:solidFill>
+          <a:ln>
+            <a:solidFill>
+              <a:schemeClr val="bg2"/>
+            </a:solidFill>
+          </a:ln>
+        </p:spPr>
+        <p:style>
+          <a:lnRef idx="2">
+            <a:schemeClr val="accent1">
+              <a:shade val="50000"/>
+            </a:schemeClr>
+          </a:lnRef>
+          <a:fillRef idx="1">
+            <a:schemeClr val="accent1"/>
+          </a:fillRef>
+          <a:effectRef idx="0">
+            <a:schemeClr val="accent1"/>
+          </a:effectRef>
+          <a:fontRef idx="minor">
+            <a:schemeClr val="lt1"/>
+          </a:fontRef>
+        </p:style>
+        <p:txBody>
+          <a:bodyPr rtlCol="0" anchor="ctr"/>
+          <a:lstStyle/>
+          <a:p>
+            <a:pPr algn="ctr"/>
+            <a:endParaRPr lang="ru-RU" dirty="0">
+              <a:solidFill>
+                <a:schemeClr val="bg1"/>
+              </a:solidFill>
+            </a:endParaRPr>
+          </a:p>
+        </p:txBody>
+      </p:sp>
+      <p:sp>
+        <p:nvSpPr>
+          <p:cNvPr id="18" name="TextBox 17"/>
+          <p:cNvSpPr txBox="1"/>
+          <p:nvPr/>
+        </p:nvSpPr>
+        <p:spPr>
+          <a:xfrm>
+            <a:off x="1955800" y="3911600"/>
+            <a:ext cx="16383000" cy="1862048"/>
+          </a:xfrm>
+          <a:prstGeom prst="rect">
+            <a:avLst/>
+          </a:prstGeom>
+          <a:noFill/>
+        </p:spPr>
+        <p:txBody>
+          <a:bodyPr wrap="square" rtlCol="0">
+            <a:spAutoFit/>
+          </a:bodyPr>
+          <a:lstStyle/>
+          <a:p>
+            <a:r>
+              <a:rPr lang="ru-RU" sz="11500" dirty="0" smtClean="0"/>
+              <a:t>Спасибо за внимание!</a:t>
+            </a:r>
+            <a:endParaRPr lang="ru-RU" sz="11500" dirty="0"/>
+          </a:p>
+        </p:txBody>
+      </p:sp>
+    </p:spTree>
+    <p:extLst>
+      <p:ext uri="{BB962C8B-B14F-4D97-AF65-F5344CB8AC3E}">
+        <p14:creationId xmlns:p14="http://schemas.microsoft.com/office/powerpoint/2010/main" xmlns="" val="892662070"/>
+      </p:ext>
+    </p:extLst>
   </p:cSld>
   <p:clrMapOvr>
     <a:masterClrMapping/>
@@ -6647,7 +8467,7 @@
           <p:cNvPr id="5" name="Рисунок 4">
             <a:extLst>
               <a:ext uri="{FF2B5EF4-FFF2-40B4-BE49-F238E27FC236}">
-                <a16:creationId xmlns="" xmlns:a16="http://schemas.microsoft.com/office/drawing/2014/main" id="{DA51F140-0A95-2B5D-EE96-349B519F9520}"/>
+                <a16:creationId xmlns:a16="http://schemas.microsoft.com/office/drawing/2014/main" xmlns="" id="{DA51F140-0A95-2B5D-EE96-349B519F9520}"/>
               </a:ext>
             </a:extLst>
           </p:cNvPr>
@@ -6660,7 +8480,7 @@
           <a:blip r:embed="rId2" cstate="print">
             <a:extLst>
               <a:ext uri="{28A0092B-C50C-407E-A947-70E740481C1C}">
-                <a14:useLocalDpi xmlns="" xmlns:a14="http://schemas.microsoft.com/office/drawing/2010/main" val="0"/>
+                <a14:useLocalDpi xmlns:a14="http://schemas.microsoft.com/office/drawing/2010/main" xmlns="" val="0"/>
               </a:ext>
             </a:extLst>
           </a:blip>
@@ -6720,7 +8540,7 @@
           <p:cNvPr id="6" name="Прямая соединительная линия 5">
             <a:extLst>
               <a:ext uri="{FF2B5EF4-FFF2-40B4-BE49-F238E27FC236}">
-                <a16:creationId xmlns="" xmlns:a16="http://schemas.microsoft.com/office/drawing/2014/main" id="{81405752-4924-49AE-B5B4-720297F8DACC}"/>
+                <a16:creationId xmlns:a16="http://schemas.microsoft.com/office/drawing/2014/main" xmlns="" id="{81405752-4924-49AE-B5B4-720297F8DACC}"/>
               </a:ext>
             </a:extLst>
           </p:cNvPr>
@@ -6757,7 +8577,7 @@
           <p:cNvPr id="8" name="Прямая соединительная линия 7">
             <a:extLst>
               <a:ext uri="{FF2B5EF4-FFF2-40B4-BE49-F238E27FC236}">
-                <a16:creationId xmlns="" xmlns:a16="http://schemas.microsoft.com/office/drawing/2014/main" id="{96181586-1320-4FBF-959C-667A0E451D96}"/>
+                <a16:creationId xmlns:a16="http://schemas.microsoft.com/office/drawing/2014/main" xmlns="" id="{96181586-1320-4FBF-959C-667A0E451D96}"/>
               </a:ext>
             </a:extLst>
           </p:cNvPr>
@@ -6801,7 +8621,7 @@
           <p:cNvPr id="9" name="TextBox 8">
             <a:extLst>
               <a:ext uri="{FF2B5EF4-FFF2-40B4-BE49-F238E27FC236}">
-                <a16:creationId xmlns="" xmlns:a16="http://schemas.microsoft.com/office/drawing/2014/main" id="{C91670A9-357A-4966-AFFF-572EDA5F7781}"/>
+                <a16:creationId xmlns:a16="http://schemas.microsoft.com/office/drawing/2014/main" xmlns="" id="{C91670A9-357A-4966-AFFF-572EDA5F7781}"/>
               </a:ext>
             </a:extLst>
           </p:cNvPr>
@@ -6881,7 +8701,7 @@
           <p:cNvPr id="2" name="Рисунок 1">
             <a:extLst>
               <a:ext uri="{FF2B5EF4-FFF2-40B4-BE49-F238E27FC236}">
-                <a16:creationId xmlns="" xmlns:a16="http://schemas.microsoft.com/office/drawing/2014/main" id="{72BBD57E-6BCC-00E8-E0E3-02BCEC13AA21}"/>
+                <a16:creationId xmlns:a16="http://schemas.microsoft.com/office/drawing/2014/main" xmlns="" id="{72BBD57E-6BCC-00E8-E0E3-02BCEC13AA21}"/>
               </a:ext>
             </a:extLst>
           </p:cNvPr>
@@ -6894,7 +8714,7 @@
           <a:blip r:embed="rId3" cstate="print">
             <a:extLst>
               <a:ext uri="{28A0092B-C50C-407E-A947-70E740481C1C}">
-                <a14:useLocalDpi xmlns="" xmlns:a14="http://schemas.microsoft.com/office/drawing/2010/main" val="0"/>
+                <a14:useLocalDpi xmlns:a14="http://schemas.microsoft.com/office/drawing/2010/main" xmlns="" val="0"/>
               </a:ext>
             </a:extLst>
           </a:blip>
@@ -6917,7 +8737,7 @@
           <p:cNvPr id="10" name="Рисунок 9">
             <a:extLst>
               <a:ext uri="{FF2B5EF4-FFF2-40B4-BE49-F238E27FC236}">
-                <a16:creationId xmlns="" xmlns:a16="http://schemas.microsoft.com/office/drawing/2014/main" id="{133921C0-6111-1854-9296-739B985FCD75}"/>
+                <a16:creationId xmlns:a16="http://schemas.microsoft.com/office/drawing/2014/main" xmlns="" id="{133921C0-6111-1854-9296-739B985FCD75}"/>
               </a:ext>
             </a:extLst>
           </p:cNvPr>
@@ -6930,7 +8750,7 @@
           <a:blip r:embed="rId4" cstate="print">
             <a:extLst>
               <a:ext uri="{28A0092B-C50C-407E-A947-70E740481C1C}">
-                <a14:useLocalDpi xmlns="" xmlns:a14="http://schemas.microsoft.com/office/drawing/2010/main" val="0"/>
+                <a14:useLocalDpi xmlns:a14="http://schemas.microsoft.com/office/drawing/2010/main" xmlns="" val="0"/>
               </a:ext>
             </a:extLst>
           </a:blip>
@@ -6953,7 +8773,7 @@
           <p:cNvPr id="13" name="Рисунок 12">
             <a:extLst>
               <a:ext uri="{FF2B5EF4-FFF2-40B4-BE49-F238E27FC236}">
-                <a16:creationId xmlns="" xmlns:a16="http://schemas.microsoft.com/office/drawing/2014/main" id="{645C7888-A89F-FACD-8A82-33A58D5F7111}"/>
+                <a16:creationId xmlns:a16="http://schemas.microsoft.com/office/drawing/2014/main" xmlns="" id="{645C7888-A89F-FACD-8A82-33A58D5F7111}"/>
               </a:ext>
             </a:extLst>
           </p:cNvPr>
@@ -6966,7 +8786,7 @@
           <a:blip r:embed="rId5" cstate="print">
             <a:extLst>
               <a:ext uri="{28A0092B-C50C-407E-A947-70E740481C1C}">
-                <a14:useLocalDpi xmlns="" xmlns:a14="http://schemas.microsoft.com/office/drawing/2010/main" val="0"/>
+                <a14:useLocalDpi xmlns:a14="http://schemas.microsoft.com/office/drawing/2010/main" xmlns="" val="0"/>
               </a:ext>
             </a:extLst>
           </a:blip>
@@ -6989,7 +8809,7 @@
           <p:cNvPr id="14" name="Рисунок 13">
             <a:extLst>
               <a:ext uri="{FF2B5EF4-FFF2-40B4-BE49-F238E27FC236}">
-                <a16:creationId xmlns="" xmlns:a16="http://schemas.microsoft.com/office/drawing/2014/main" id="{4A201309-535A-C48A-411F-9F810081A618}"/>
+                <a16:creationId xmlns:a16="http://schemas.microsoft.com/office/drawing/2014/main" xmlns="" id="{4A201309-535A-C48A-411F-9F810081A618}"/>
               </a:ext>
             </a:extLst>
           </p:cNvPr>
@@ -7002,7 +8822,7 @@
           <a:blip r:embed="rId5" cstate="print">
             <a:extLst>
               <a:ext uri="{28A0092B-C50C-407E-A947-70E740481C1C}">
-                <a14:useLocalDpi xmlns="" xmlns:a14="http://schemas.microsoft.com/office/drawing/2010/main" val="0"/>
+                <a14:useLocalDpi xmlns:a14="http://schemas.microsoft.com/office/drawing/2010/main" xmlns="" val="0"/>
               </a:ext>
             </a:extLst>
           </a:blip>
@@ -7025,7 +8845,7 @@
           <p:cNvPr id="15" name="Рисунок 14">
             <a:extLst>
               <a:ext uri="{FF2B5EF4-FFF2-40B4-BE49-F238E27FC236}">
-                <a16:creationId xmlns="" xmlns:a16="http://schemas.microsoft.com/office/drawing/2014/main" id="{675BB241-DE10-DB7A-AA61-A6511EE21A5F}"/>
+                <a16:creationId xmlns:a16="http://schemas.microsoft.com/office/drawing/2014/main" xmlns="" id="{675BB241-DE10-DB7A-AA61-A6511EE21A5F}"/>
               </a:ext>
             </a:extLst>
           </p:cNvPr>
@@ -7038,7 +8858,7 @@
           <a:blip r:embed="rId5" cstate="print">
             <a:extLst>
               <a:ext uri="{28A0092B-C50C-407E-A947-70E740481C1C}">
-                <a14:useLocalDpi xmlns="" xmlns:a14="http://schemas.microsoft.com/office/drawing/2010/main" val="0"/>
+                <a14:useLocalDpi xmlns:a14="http://schemas.microsoft.com/office/drawing/2010/main" xmlns="" val="0"/>
               </a:ext>
             </a:extLst>
           </a:blip>
@@ -7061,7 +8881,7 @@
           <p:cNvPr id="16" name="Рисунок 15">
             <a:extLst>
               <a:ext uri="{FF2B5EF4-FFF2-40B4-BE49-F238E27FC236}">
-                <a16:creationId xmlns="" xmlns:a16="http://schemas.microsoft.com/office/drawing/2014/main" id="{C1B0AA4B-6848-60DB-94A6-D062BB3524DE}"/>
+                <a16:creationId xmlns:a16="http://schemas.microsoft.com/office/drawing/2014/main" xmlns="" id="{C1B0AA4B-6848-60DB-94A6-D062BB3524DE}"/>
               </a:ext>
             </a:extLst>
           </p:cNvPr>
@@ -7074,7 +8894,7 @@
           <a:blip r:embed="rId5" cstate="print">
             <a:extLst>
               <a:ext uri="{28A0092B-C50C-407E-A947-70E740481C1C}">
-                <a14:useLocalDpi xmlns="" xmlns:a14="http://schemas.microsoft.com/office/drawing/2010/main" val="0"/>
+                <a14:useLocalDpi xmlns:a14="http://schemas.microsoft.com/office/drawing/2010/main" xmlns="" val="0"/>
               </a:ext>
             </a:extLst>
           </a:blip>
@@ -7130,7 +8950,7 @@
           <p:cNvPr id="6" name="Прямая соединительная линия 5">
             <a:extLst>
               <a:ext uri="{FF2B5EF4-FFF2-40B4-BE49-F238E27FC236}">
-                <a16:creationId xmlns="" xmlns:a16="http://schemas.microsoft.com/office/drawing/2014/main" id="{81405752-4924-49AE-B5B4-720297F8DACC}"/>
+                <a16:creationId xmlns:a16="http://schemas.microsoft.com/office/drawing/2014/main" xmlns="" id="{81405752-4924-49AE-B5B4-720297F8DACC}"/>
               </a:ext>
             </a:extLst>
           </p:cNvPr>
@@ -7167,7 +8987,7 @@
           <p:cNvPr id="8" name="Прямая соединительная линия 7">
             <a:extLst>
               <a:ext uri="{FF2B5EF4-FFF2-40B4-BE49-F238E27FC236}">
-                <a16:creationId xmlns="" xmlns:a16="http://schemas.microsoft.com/office/drawing/2014/main" id="{96181586-1320-4FBF-959C-667A0E451D96}"/>
+                <a16:creationId xmlns:a16="http://schemas.microsoft.com/office/drawing/2014/main" xmlns="" id="{96181586-1320-4FBF-959C-667A0E451D96}"/>
               </a:ext>
             </a:extLst>
           </p:cNvPr>
@@ -7211,7 +9031,7 @@
           <p:cNvPr id="9" name="TextBox 8">
             <a:extLst>
               <a:ext uri="{FF2B5EF4-FFF2-40B4-BE49-F238E27FC236}">
-                <a16:creationId xmlns="" xmlns:a16="http://schemas.microsoft.com/office/drawing/2014/main" id="{C91670A9-357A-4966-AFFF-572EDA5F7781}"/>
+                <a16:creationId xmlns:a16="http://schemas.microsoft.com/office/drawing/2014/main" xmlns="" id="{C91670A9-357A-4966-AFFF-572EDA5F7781}"/>
               </a:ext>
             </a:extLst>
           </p:cNvPr>
@@ -7300,7 +9120,7 @@
           <p:cNvPr id="2" name="Рисунок 1">
             <a:extLst>
               <a:ext uri="{FF2B5EF4-FFF2-40B4-BE49-F238E27FC236}">
-                <a16:creationId xmlns="" xmlns:a16="http://schemas.microsoft.com/office/drawing/2014/main" id="{4F0C0C6B-0759-8E22-EF40-5B3500990287}"/>
+                <a16:creationId xmlns:a16="http://schemas.microsoft.com/office/drawing/2014/main" xmlns="" id="{4F0C0C6B-0759-8E22-EF40-5B3500990287}"/>
               </a:ext>
             </a:extLst>
           </p:cNvPr>
@@ -7313,7 +9133,7 @@
           <a:blip r:embed="rId2" cstate="print">
             <a:extLst>
               <a:ext uri="{28A0092B-C50C-407E-A947-70E740481C1C}">
-                <a14:useLocalDpi xmlns="" xmlns:a14="http://schemas.microsoft.com/office/drawing/2010/main" val="0"/>
+                <a14:useLocalDpi xmlns:a14="http://schemas.microsoft.com/office/drawing/2010/main" xmlns="" val="0"/>
               </a:ext>
             </a:extLst>
           </a:blip>
@@ -7336,7 +9156,7 @@
           <p:cNvPr id="4" name="Рисунок 3">
             <a:extLst>
               <a:ext uri="{FF2B5EF4-FFF2-40B4-BE49-F238E27FC236}">
-                <a16:creationId xmlns="" xmlns:a16="http://schemas.microsoft.com/office/drawing/2014/main" id="{6285FD4A-62D0-0336-9D54-4AAB3B8B8692}"/>
+                <a16:creationId xmlns:a16="http://schemas.microsoft.com/office/drawing/2014/main" xmlns="" id="{6285FD4A-62D0-0336-9D54-4AAB3B8B8692}"/>
               </a:ext>
             </a:extLst>
           </p:cNvPr>
@@ -7349,7 +9169,7 @@
           <a:blip r:embed="rId3" cstate="print">
             <a:extLst>
               <a:ext uri="{28A0092B-C50C-407E-A947-70E740481C1C}">
-                <a14:useLocalDpi xmlns="" xmlns:a14="http://schemas.microsoft.com/office/drawing/2010/main" val="0"/>
+                <a14:useLocalDpi xmlns:a14="http://schemas.microsoft.com/office/drawing/2010/main" xmlns="" val="0"/>
               </a:ext>
             </a:extLst>
           </a:blip>
@@ -7368,7 +9188,7 @@
         </p:spPr>
       </p:pic>
       <mc:AlternateContent xmlns:mc="http://schemas.openxmlformats.org/markup-compatibility/2006">
-        <mc:Choice xmlns="" xmlns:a14="http://schemas.microsoft.com/office/drawing/2010/main" Requires="a14">
+        <mc:Choice xmlns:a14="http://schemas.microsoft.com/office/drawing/2010/main" xmlns="" Requires="a14">
           <p:sp>
             <p:nvSpPr>
               <p:cNvPr id="17" name="TextBox 16">
@@ -7425,7 +9245,7 @@
               <p:cNvPr id="17" name="TextBox 16">
                 <a:extLst>
                   <a:ext uri="{FF2B5EF4-FFF2-40B4-BE49-F238E27FC236}">
-                    <a16:creationId xmlns:a14="http://schemas.microsoft.com/office/drawing/2010/main" xmlns="" xmlns:a16="http://schemas.microsoft.com/office/drawing/2014/main" id="{F7B50816-FCD1-C545-9B2D-F558D83C6601}"/>
+                    <a16:creationId xmlns:a16="http://schemas.microsoft.com/office/drawing/2014/main" xmlns="" xmlns:a14="http://schemas.microsoft.com/office/drawing/2010/main" id="{F7B50816-FCD1-C545-9B2D-F558D83C6601}"/>
                   </a:ext>
                 </a:extLst>
               </p:cNvPr>
@@ -7465,7 +9285,7 @@
         </mc:Fallback>
       </mc:AlternateContent>
       <mc:AlternateContent xmlns:mc="http://schemas.openxmlformats.org/markup-compatibility/2006">
-        <mc:Choice xmlns="" xmlns:a14="http://schemas.microsoft.com/office/drawing/2010/main" Requires="a14">
+        <mc:Choice xmlns:a14="http://schemas.microsoft.com/office/drawing/2010/main" xmlns="" Requires="a14">
           <p:sp>
             <p:nvSpPr>
               <p:cNvPr id="18" name="TextBox 17">
@@ -7522,7 +9342,7 @@
               <p:cNvPr id="18" name="TextBox 17">
                 <a:extLst>
                   <a:ext uri="{FF2B5EF4-FFF2-40B4-BE49-F238E27FC236}">
-                    <a16:creationId xmlns:a14="http://schemas.microsoft.com/office/drawing/2010/main" xmlns="" xmlns:a16="http://schemas.microsoft.com/office/drawing/2014/main" id="{3111562B-4A16-80E5-75AC-55699A589263}"/>
+                    <a16:creationId xmlns:a16="http://schemas.microsoft.com/office/drawing/2014/main" xmlns="" xmlns:a14="http://schemas.microsoft.com/office/drawing/2010/main" id="{3111562B-4A16-80E5-75AC-55699A589263}"/>
                   </a:ext>
                 </a:extLst>
               </p:cNvPr>
@@ -7562,7 +9382,7 @@
         </mc:Fallback>
       </mc:AlternateContent>
       <mc:AlternateContent xmlns:mc="http://schemas.openxmlformats.org/markup-compatibility/2006">
-        <mc:Choice xmlns="" xmlns:a14="http://schemas.microsoft.com/office/drawing/2010/main" Requires="a14">
+        <mc:Choice xmlns:a14="http://schemas.microsoft.com/office/drawing/2010/main" xmlns="" Requires="a14">
           <p:sp>
             <p:nvSpPr>
               <p:cNvPr id="19" name="TextBox 18">
@@ -7619,7 +9439,7 @@
               <p:cNvPr id="19" name="TextBox 18">
                 <a:extLst>
                   <a:ext uri="{FF2B5EF4-FFF2-40B4-BE49-F238E27FC236}">
-                    <a16:creationId xmlns:a14="http://schemas.microsoft.com/office/drawing/2010/main" xmlns="" xmlns:a16="http://schemas.microsoft.com/office/drawing/2014/main" id="{6B0D3293-7897-551D-EA0D-19561B922ED4}"/>
+                    <a16:creationId xmlns:a16="http://schemas.microsoft.com/office/drawing/2014/main" xmlns="" xmlns:a14="http://schemas.microsoft.com/office/drawing/2010/main" id="{6B0D3293-7897-551D-EA0D-19561B922ED4}"/>
                   </a:ext>
                 </a:extLst>
               </p:cNvPr>
@@ -7663,7 +9483,7 @@
           <p:cNvPr id="23" name="Рисунок 22">
             <a:extLst>
               <a:ext uri="{FF2B5EF4-FFF2-40B4-BE49-F238E27FC236}">
-                <a16:creationId xmlns="" xmlns:a16="http://schemas.microsoft.com/office/drawing/2014/main" id="{D1289F9C-AE28-683E-4C4C-47FAC49C6555}"/>
+                <a16:creationId xmlns:a16="http://schemas.microsoft.com/office/drawing/2014/main" xmlns="" id="{D1289F9C-AE28-683E-4C4C-47FAC49C6555}"/>
               </a:ext>
             </a:extLst>
           </p:cNvPr>
@@ -7676,7 +9496,7 @@
           <a:blip r:embed="rId7" cstate="print">
             <a:extLst>
               <a:ext uri="{28A0092B-C50C-407E-A947-70E740481C1C}">
-                <a14:useLocalDpi xmlns="" xmlns:a14="http://schemas.microsoft.com/office/drawing/2010/main" val="0"/>
+                <a14:useLocalDpi xmlns:a14="http://schemas.microsoft.com/office/drawing/2010/main" xmlns="" val="0"/>
               </a:ext>
             </a:extLst>
           </a:blip>
@@ -7697,7 +9517,7 @@
     </p:spTree>
     <p:extLst>
       <p:ext uri="{BB962C8B-B14F-4D97-AF65-F5344CB8AC3E}">
-        <p14:creationId xmlns="" xmlns:p14="http://schemas.microsoft.com/office/powerpoint/2010/main" val="1687335423"/>
+        <p14:creationId xmlns:p14="http://schemas.microsoft.com/office/powerpoint/2010/main" xmlns="" val="1687335423"/>
       </p:ext>
     </p:extLst>
   </p:cSld>
@@ -7732,45 +9552,12 @@
           <a:chExt cx="0" cy="0"/>
         </a:xfrm>
       </p:grpSpPr>
-      <p:sp>
-        <p:nvSpPr>
-          <p:cNvPr id="175" name="Проблема. Какая существует проблема?"/>
-          <p:cNvSpPr txBox="1">
-            <a:spLocks noGrp="1"/>
-          </p:cNvSpPr>
-          <p:nvPr>
-            <p:ph type="body" sz="quarter" idx="1"/>
-          </p:nvPr>
-        </p:nvSpPr>
-        <p:spPr>
-          <a:xfrm>
-            <a:off x="886636" y="4531817"/>
-            <a:ext cx="19953075" cy="1905001"/>
-          </a:xfrm>
-          <a:prstGeom prst="rect">
-            <a:avLst/>
-          </a:prstGeom>
-        </p:spPr>
-        <p:txBody>
-          <a:bodyPr>
-            <a:noAutofit/>
-          </a:bodyPr>
-          <a:lstStyle/>
-          <a:p>
-            <a:r>
-              <a:rPr lang="ru-RU" sz="6500" dirty="0" smtClean="0"/>
-              <a:t>Добавление статистики по играм, создание системы подписчиков</a:t>
-            </a:r>
-            <a:endParaRPr lang="ru-RU" sz="6500" dirty="0"/>
-          </a:p>
-        </p:txBody>
-      </p:sp>
       <p:cxnSp>
         <p:nvCxnSpPr>
-          <p:cNvPr id="6" name="Прямая соединительная линия 5">
+          <p:cNvPr id="5" name="Прямая соединительная линия 4">
             <a:extLst>
               <a:ext uri="{FF2B5EF4-FFF2-40B4-BE49-F238E27FC236}">
-                <a16:creationId xmlns="" xmlns:a16="http://schemas.microsoft.com/office/drawing/2014/main" id="{81405752-4924-49AE-B5B4-720297F8DACC}"/>
+                <a16:creationId xmlns:a16="http://schemas.microsoft.com/office/drawing/2014/main" xmlns="" id="{81405752-4924-49AE-B5B4-720297F8DACC}"/>
               </a:ext>
             </a:extLst>
           </p:cNvPr>
@@ -7779,8 +9566,8 @@
         </p:nvCxnSpPr>
         <p:spPr>
           <a:xfrm>
-            <a:off x="886633" y="4531817"/>
-            <a:ext cx="13926647" cy="0"/>
+            <a:off x="859739" y="2487864"/>
+            <a:ext cx="17078637" cy="0"/>
           </a:xfrm>
           <a:prstGeom prst="line">
             <a:avLst/>
@@ -7802,56 +9589,12 @@
           </a:fontRef>
         </p:style>
       </p:cxnSp>
-      <p:cxnSp>
-        <p:nvCxnSpPr>
-          <p:cNvPr id="8" name="Прямая соединительная линия 7">
+      <p:sp>
+        <p:nvSpPr>
+          <p:cNvPr id="6" name="TextBox 5">
             <a:extLst>
               <a:ext uri="{FF2B5EF4-FFF2-40B4-BE49-F238E27FC236}">
-                <a16:creationId xmlns="" xmlns:a16="http://schemas.microsoft.com/office/drawing/2014/main" id="{96181586-1320-4FBF-959C-667A0E451D96}"/>
-              </a:ext>
-            </a:extLst>
-          </p:cNvPr>
-          <p:cNvCxnSpPr/>
-          <p:nvPr/>
-        </p:nvCxnSpPr>
-        <p:spPr>
-          <a:xfrm>
-            <a:off x="8616462" y="1776046"/>
-            <a:ext cx="0" cy="0"/>
-          </a:xfrm>
-          <a:prstGeom prst="line">
-            <a:avLst/>
-          </a:prstGeom>
-          <a:noFill/>
-          <a:ln w="25400" cap="flat">
-            <a:solidFill>
-              <a:srgbClr val="000000"/>
-            </a:solidFill>
-            <a:prstDash val="solid"/>
-            <a:miter lim="400000"/>
-          </a:ln>
-          <a:effectLst/>
-          <a:sp3d/>
-        </p:spPr>
-        <p:style>
-          <a:lnRef idx="0">
-            <a:scrgbClr r="0" g="0" b="0"/>
-          </a:lnRef>
-          <a:fillRef idx="0">
-            <a:scrgbClr r="0" g="0" b="0"/>
-          </a:fillRef>
-          <a:effectRef idx="0">
-            <a:scrgbClr r="0" g="0" b="0"/>
-          </a:effectRef>
-          <a:fontRef idx="none"/>
-        </p:style>
-      </p:cxnSp>
-      <p:sp>
-        <p:nvSpPr>
-          <p:cNvPr id="9" name="TextBox 8">
-            <a:extLst>
-              <a:ext uri="{FF2B5EF4-FFF2-40B4-BE49-F238E27FC236}">
-                <a16:creationId xmlns="" xmlns:a16="http://schemas.microsoft.com/office/drawing/2014/main" id="{C91670A9-357A-4966-AFFF-572EDA5F7781}"/>
+                <a16:creationId xmlns:a16="http://schemas.microsoft.com/office/drawing/2014/main" xmlns="" id="{C91670A9-357A-4966-AFFF-572EDA5F7781}"/>
               </a:ext>
             </a:extLst>
           </p:cNvPr>
@@ -7860,8 +9603,8 @@
         </p:nvSpPr>
         <p:spPr>
           <a:xfrm>
-            <a:off x="886630" y="2660952"/>
-            <a:ext cx="13822147" cy="1579920"/>
+            <a:off x="885094" y="693072"/>
+            <a:ext cx="11432412" cy="1579920"/>
           </a:xfrm>
           <a:prstGeom prst="rect">
             <a:avLst/>
@@ -7909,7 +9652,7 @@
               <a:tabLst/>
             </a:pPr>
             <a:r>
-              <a:rPr kumimoji="0" lang="ru-RU" sz="6500" b="1" i="0" u="none" strike="noStrike" cap="none" spc="0" normalizeH="0" baseline="0" dirty="0">
+              <a:rPr kumimoji="0" lang="ru-RU" sz="6500" b="1" i="0" u="none" strike="noStrike" cap="none" spc="0" normalizeH="0" baseline="0" dirty="0" smtClean="0">
                 <a:ln>
                   <a:noFill/>
                 </a:ln>
@@ -7921,50 +9664,73 @@
                 <a:latin typeface="Helvetica Neue (Основной текст)"/>
                 <a:sym typeface="Helvetica Neue"/>
               </a:rPr>
-              <a:t>Перспективы развития проекта</a:t>
+              <a:t>Скачивай</a:t>
             </a:r>
+            <a:r>
+              <a:rPr kumimoji="0" lang="ru-RU" sz="6500" b="1" i="0" u="none" strike="noStrike" cap="none" spc="0" normalizeH="0" dirty="0" smtClean="0">
+                <a:ln>
+                  <a:noFill/>
+                </a:ln>
+                <a:solidFill>
+                  <a:srgbClr val="000000"/>
+                </a:solidFill>
+                <a:effectLst/>
+                <a:uFillTx/>
+                <a:latin typeface="Helvetica Neue (Основной текст)"/>
+                <a:sym typeface="Helvetica Neue"/>
+              </a:rPr>
+              <a:t> что угодно!</a:t>
+            </a:r>
+            <a:endParaRPr kumimoji="0" lang="ru-RU" sz="6500" b="1" i="0" u="none" strike="noStrike" cap="none" spc="0" normalizeH="0" baseline="0" dirty="0">
+              <a:ln>
+                <a:noFill/>
+              </a:ln>
+              <a:solidFill>
+                <a:srgbClr val="000000"/>
+              </a:solidFill>
+              <a:effectLst/>
+              <a:uFillTx/>
+              <a:latin typeface="Helvetica Neue (Основной текст)"/>
+              <a:sym typeface="Helvetica Neue"/>
+            </a:endParaRPr>
           </a:p>
         </p:txBody>
       </p:sp>
       <p:pic>
         <p:nvPicPr>
-          <p:cNvPr id="2" name="Рисунок 1">
-            <a:extLst>
-              <a:ext uri="{FF2B5EF4-FFF2-40B4-BE49-F238E27FC236}">
-                <a16:creationId xmlns="" xmlns:a16="http://schemas.microsoft.com/office/drawing/2014/main" id="{72BBD57E-6BCC-00E8-E0E3-02BCEC13AA21}"/>
-              </a:ext>
-            </a:extLst>
-          </p:cNvPr>
+          <p:cNvPr id="7" name="Picture 4"/>
           <p:cNvPicPr>
-            <a:picLocks noChangeAspect="1"/>
+            <a:picLocks noChangeAspect="1" noChangeArrowheads="1"/>
           </p:cNvPicPr>
           <p:nvPr/>
         </p:nvPicPr>
         <p:blipFill>
-          <a:blip r:embed="rId2" cstate="print">
-            <a:extLst>
-              <a:ext uri="{28A0092B-C50C-407E-A947-70E740481C1C}">
-                <a14:useLocalDpi xmlns="" xmlns:a14="http://schemas.microsoft.com/office/drawing/2010/main" val="0"/>
-              </a:ext>
-            </a:extLst>
-          </a:blip>
+          <a:blip r:embed="rId2" cstate="print"/>
+          <a:srcRect/>
           <a:stretch>
             <a:fillRect/>
           </a:stretch>
         </p:blipFill>
-        <p:spPr>
-          <a:xfrm>
-            <a:off x="21905137" y="356507"/>
-            <a:ext cx="1905001" cy="1905001"/>
+        <p:spPr bwMode="auto">
+          <a:xfrm>
+            <a:off x="845482" y="2850775"/>
+            <a:ext cx="16877741" cy="9489096"/>
           </a:xfrm>
           <a:prstGeom prst="rect">
             <a:avLst/>
           </a:prstGeom>
+          <a:noFill/>
+          <a:ln w="9525">
+            <a:noFill/>
+            <a:miter lim="800000"/>
+            <a:headEnd/>
+            <a:tailEnd/>
+          </a:ln>
         </p:spPr>
       </p:pic>
       <p:pic>
         <p:nvPicPr>
-          <p:cNvPr id="1026" name="Picture 2" descr="D:\Users\Zver\PycharmProjects\DungeonsAndMathematics\data\images\enemies\enemy1\enemy_sniper_right.png"/>
+          <p:cNvPr id="5122" name="Picture 2"/>
           <p:cNvPicPr>
             <a:picLocks noChangeAspect="1" noChangeArrowheads="1"/>
           </p:cNvPicPr>
@@ -7979,91 +9745,19 @@
         </p:blipFill>
         <p:spPr bwMode="auto">
           <a:xfrm>
-            <a:off x="2841080" y="9322417"/>
-            <a:ext cx="3661319" cy="4393583"/>
+            <a:off x="823167" y="2781954"/>
+            <a:ext cx="17115210" cy="9628280"/>
           </a:xfrm>
           <a:prstGeom prst="rect">
             <a:avLst/>
           </a:prstGeom>
           <a:noFill/>
-        </p:spPr>
-      </p:pic>
-      <p:pic>
-        <p:nvPicPr>
-          <p:cNvPr id="1027" name="Picture 3" descr="D:\Users\Zver\PycharmProjects\DungeonsAndMathematics\data\images\enemies\enemy3\enemy3_left1.png"/>
-          <p:cNvPicPr>
-            <a:picLocks noChangeAspect="1" noChangeArrowheads="1"/>
-          </p:cNvPicPr>
-          <p:nvPr/>
-        </p:nvPicPr>
-        <p:blipFill>
-          <a:blip r:embed="rId4" cstate="print"/>
-          <a:srcRect/>
-          <a:stretch>
-            <a:fillRect/>
-          </a:stretch>
-        </p:blipFill>
-        <p:spPr bwMode="auto">
-          <a:xfrm rot="10800000" flipH="1">
-            <a:off x="14935200" y="0"/>
-            <a:ext cx="2940050" cy="3003550"/>
-          </a:xfrm>
-          <a:prstGeom prst="rect">
-            <a:avLst/>
-          </a:prstGeom>
-          <a:noFill/>
-        </p:spPr>
-      </p:pic>
-      <p:pic>
-        <p:nvPicPr>
-          <p:cNvPr id="1028" name="Picture 4" descr="D:\Users\Zver\PycharmProjects\DungeonsAndMathematics\data\images\weapons\weapon1_right.png"/>
-          <p:cNvPicPr>
-            <a:picLocks noChangeAspect="1" noChangeArrowheads="1"/>
-          </p:cNvPicPr>
-          <p:nvPr/>
-        </p:nvPicPr>
-        <p:blipFill>
-          <a:blip r:embed="rId5" cstate="print"/>
-          <a:srcRect/>
-          <a:stretch>
-            <a:fillRect/>
-          </a:stretch>
-        </p:blipFill>
-        <p:spPr bwMode="auto">
-          <a:xfrm>
-            <a:off x="3108597" y="11257188"/>
-            <a:ext cx="4536803" cy="964077"/>
-          </a:xfrm>
-          <a:prstGeom prst="rect">
-            <a:avLst/>
-          </a:prstGeom>
-          <a:noFill/>
-        </p:spPr>
-      </p:pic>
-      <p:pic>
-        <p:nvPicPr>
-          <p:cNvPr id="1029" name="Picture 5" descr="D:\Users\Zver\PycharmProjects\DungeonsAndMathematics\data\images\weapons\babah.png"/>
-          <p:cNvPicPr>
-            <a:picLocks noChangeAspect="1" noChangeArrowheads="1"/>
-          </p:cNvPicPr>
-          <p:nvPr/>
-        </p:nvPicPr>
-        <p:blipFill>
-          <a:blip r:embed="rId6" cstate="print"/>
-          <a:srcRect/>
-          <a:stretch>
-            <a:fillRect/>
-          </a:stretch>
-        </p:blipFill>
-        <p:spPr bwMode="auto">
-          <a:xfrm>
-            <a:off x="22707600" y="10445750"/>
-            <a:ext cx="1676400" cy="1313180"/>
-          </a:xfrm>
-          <a:prstGeom prst="rect">
-            <a:avLst/>
-          </a:prstGeom>
-          <a:noFill/>
+          <a:ln w="9525">
+            <a:noFill/>
+            <a:miter lim="800000"/>
+            <a:headEnd/>
+            <a:tailEnd/>
+          </a:ln>
         </p:spPr>
       </p:pic>
     </p:spTree>
@@ -8101,10 +9795,10 @@
       </p:grpSpPr>
       <p:cxnSp>
         <p:nvCxnSpPr>
-          <p:cNvPr id="6" name="Прямая соединительная линия 5">
+          <p:cNvPr id="5" name="Прямая соединительная линия 4">
             <a:extLst>
               <a:ext uri="{FF2B5EF4-FFF2-40B4-BE49-F238E27FC236}">
-                <a16:creationId xmlns="" xmlns:a16="http://schemas.microsoft.com/office/drawing/2014/main" id="{81405752-4924-49AE-B5B4-720297F8DACC}"/>
+                <a16:creationId xmlns:a16="http://schemas.microsoft.com/office/drawing/2014/main" xmlns="" id="{81405752-4924-49AE-B5B4-720297F8DACC}"/>
               </a:ext>
             </a:extLst>
           </p:cNvPr>
@@ -8113,8 +9807,8 @@
         </p:nvCxnSpPr>
         <p:spPr>
           <a:xfrm>
-            <a:off x="719543" y="1538885"/>
-            <a:ext cx="12080631" cy="0"/>
+            <a:off x="859739" y="2487864"/>
+            <a:ext cx="17078637" cy="0"/>
           </a:xfrm>
           <a:prstGeom prst="line">
             <a:avLst/>
@@ -8136,32 +9830,29 @@
           </a:fontRef>
         </p:style>
       </p:cxnSp>
-      <p:cxnSp>
-        <p:nvCxnSpPr>
-          <p:cNvPr id="8" name="Прямая соединительная линия 7">
+      <p:sp>
+        <p:nvSpPr>
+          <p:cNvPr id="6" name="TextBox 5">
             <a:extLst>
               <a:ext uri="{FF2B5EF4-FFF2-40B4-BE49-F238E27FC236}">
-                <a16:creationId xmlns="" xmlns:a16="http://schemas.microsoft.com/office/drawing/2014/main" id="{96181586-1320-4FBF-959C-667A0E451D96}"/>
+                <a16:creationId xmlns:a16="http://schemas.microsoft.com/office/drawing/2014/main" xmlns="" id="{C91670A9-357A-4966-AFFF-572EDA5F7781}"/>
               </a:ext>
             </a:extLst>
           </p:cNvPr>
-          <p:cNvCxnSpPr/>
+          <p:cNvSpPr txBox="1"/>
           <p:nvPr/>
-        </p:nvCxnSpPr>
+        </p:nvSpPr>
         <p:spPr>
           <a:xfrm>
-            <a:off x="8616462" y="1776046"/>
-            <a:ext cx="0" cy="0"/>
-          </a:xfrm>
-          <a:prstGeom prst="line">
+            <a:off x="885094" y="693072"/>
+            <a:ext cx="11432412" cy="1579920"/>
+          </a:xfrm>
+          <a:prstGeom prst="rect">
             <a:avLst/>
           </a:prstGeom>
           <a:noFill/>
-          <a:ln w="25400" cap="flat">
-            <a:solidFill>
-              <a:srgbClr val="000000"/>
-            </a:solidFill>
-            <a:prstDash val="solid"/>
+          <a:ln w="12700" cap="flat">
+            <a:noFill/>
             <a:miter lim="400000"/>
           </a:ln>
           <a:effectLst/>
@@ -8179,204 +9870,170 @@
           </a:effectRef>
           <a:fontRef idx="none"/>
         </p:style>
-      </p:cxnSp>
-      <p:sp>
-        <p:nvSpPr>
-          <p:cNvPr id="9" name="TextBox 8">
-            <a:extLst>
-              <a:ext uri="{FF2B5EF4-FFF2-40B4-BE49-F238E27FC236}">
-                <a16:creationId xmlns="" xmlns:a16="http://schemas.microsoft.com/office/drawing/2014/main" id="{C91670A9-357A-4966-AFFF-572EDA5F7781}"/>
-              </a:ext>
-            </a:extLst>
-          </p:cNvPr>
-          <p:cNvSpPr txBox="1"/>
+        <p:txBody>
+          <a:bodyPr rot="0" spcFirstLastPara="1" vertOverflow="overflow" horzOverflow="overflow" vert="horz" wrap="square" lIns="50800" tIns="50800" rIns="50800" bIns="50800" numCol="1" spcCol="38100" rtlCol="0" anchor="ctr">
+            <a:spAutoFit/>
+          </a:bodyPr>
+          <a:lstStyle/>
+          <a:p>
+            <a:pPr marL="0" marR="0" indent="0" algn="l" defTabSz="2438338" rtl="0" fontAlgn="auto" latinLnBrk="0" hangingPunct="0">
+              <a:lnSpc>
+                <a:spcPct val="90000"/>
+              </a:lnSpc>
+              <a:spcBef>
+                <a:spcPts val="4500"/>
+              </a:spcBef>
+              <a:spcAft>
+                <a:spcPts val="0"/>
+              </a:spcAft>
+              <a:buClrTx/>
+              <a:buSzTx/>
+              <a:buFontTx/>
+              <a:buNone/>
+              <a:tabLst/>
+            </a:pPr>
+            <a:r>
+              <a:rPr kumimoji="0" lang="ru-RU" sz="6500" b="1" i="0" u="none" strike="noStrike" cap="none" spc="0" normalizeH="0" baseline="0" dirty="0" smtClean="0">
+                <a:ln>
+                  <a:noFill/>
+                </a:ln>
+                <a:solidFill>
+                  <a:srgbClr val="000000"/>
+                </a:solidFill>
+                <a:effectLst/>
+                <a:uFillTx/>
+                <a:latin typeface="Helvetica Neue (Основной текст)"/>
+                <a:sym typeface="Helvetica Neue"/>
+              </a:rPr>
+              <a:t>Скачивай</a:t>
+            </a:r>
+            <a:r>
+              <a:rPr kumimoji="0" lang="ru-RU" sz="6500" b="1" i="0" u="none" strike="noStrike" cap="none" spc="0" normalizeH="0" dirty="0" smtClean="0">
+                <a:ln>
+                  <a:noFill/>
+                </a:ln>
+                <a:solidFill>
+                  <a:srgbClr val="000000"/>
+                </a:solidFill>
+                <a:effectLst/>
+                <a:uFillTx/>
+                <a:latin typeface="Helvetica Neue (Основной текст)"/>
+                <a:sym typeface="Helvetica Neue"/>
+              </a:rPr>
+              <a:t> что угодно!</a:t>
+            </a:r>
+            <a:endParaRPr kumimoji="0" lang="ru-RU" sz="6500" b="1" i="0" u="none" strike="noStrike" cap="none" spc="0" normalizeH="0" baseline="0" dirty="0">
+              <a:ln>
+                <a:noFill/>
+              </a:ln>
+              <a:solidFill>
+                <a:srgbClr val="000000"/>
+              </a:solidFill>
+              <a:effectLst/>
+              <a:uFillTx/>
+              <a:latin typeface="Helvetica Neue (Основной текст)"/>
+              <a:sym typeface="Helvetica Neue"/>
+            </a:endParaRPr>
+          </a:p>
+        </p:txBody>
+      </p:sp>
+      <p:pic>
+        <p:nvPicPr>
+          <p:cNvPr id="7" name="Picture 4"/>
+          <p:cNvPicPr>
+            <a:picLocks noChangeAspect="1" noChangeArrowheads="1"/>
+          </p:cNvPicPr>
           <p:nvPr/>
-        </p:nvSpPr>
-        <p:spPr>
-          <a:xfrm>
-            <a:off x="719543" y="269569"/>
-            <a:ext cx="17492257" cy="948978"/>
+        </p:nvPicPr>
+        <p:blipFill>
+          <a:blip r:embed="rId2" cstate="print"/>
+          <a:srcRect/>
+          <a:stretch>
+            <a:fillRect/>
+          </a:stretch>
+        </p:blipFill>
+        <p:spPr bwMode="auto">
+          <a:xfrm>
+            <a:off x="845482" y="2850775"/>
+            <a:ext cx="16877741" cy="9489096"/>
           </a:xfrm>
           <a:prstGeom prst="rect">
             <a:avLst/>
           </a:prstGeom>
           <a:noFill/>
-          <a:ln w="12700" cap="flat">
+          <a:ln w="9525">
             <a:noFill/>
-            <a:miter lim="400000"/>
+            <a:miter lim="800000"/>
+            <a:headEnd/>
+            <a:tailEnd/>
           </a:ln>
-          <a:effectLst/>
-          <a:sp3d/>
-        </p:spPr>
-        <p:style>
-          <a:lnRef idx="0">
-            <a:scrgbClr r="0" g="0" b="0"/>
-          </a:lnRef>
-          <a:fillRef idx="0">
-            <a:scrgbClr r="0" g="0" b="0"/>
-          </a:fillRef>
-          <a:effectRef idx="0">
-            <a:scrgbClr r="0" g="0" b="0"/>
-          </a:effectRef>
-          <a:fontRef idx="none"/>
-        </p:style>
-        <p:txBody>
-          <a:bodyPr rot="0" spcFirstLastPara="1" vertOverflow="overflow" horzOverflow="overflow" vert="horz" wrap="square" lIns="50800" tIns="50800" rIns="50800" bIns="50800" numCol="1" spcCol="38100" rtlCol="0" anchor="ctr">
-            <a:spAutoFit/>
-          </a:bodyPr>
-          <a:lstStyle/>
-          <a:p>
-            <a:r>
-              <a:rPr lang="en-US" sz="5500" b="1" dirty="0">
-                <a:latin typeface="Helvetica Neue (Основной текст)"/>
-              </a:rPr>
-              <a:t>QR-</a:t>
-            </a:r>
-            <a:r>
-              <a:rPr lang="ru-RU" sz="5500" b="1" dirty="0">
-                <a:latin typeface="Helvetica Neue (Основной текст)"/>
-              </a:rPr>
-              <a:t>код</a:t>
-            </a:r>
-          </a:p>
-        </p:txBody>
-      </p:sp>
-      <p:sp>
-        <p:nvSpPr>
-          <p:cNvPr id="175" name="Проблема. Какая существует проблема?"/>
-          <p:cNvSpPr txBox="1">
-            <a:spLocks noGrp="1"/>
-          </p:cNvSpPr>
-          <p:nvPr>
-            <p:ph type="body" sz="quarter" idx="1"/>
-          </p:nvPr>
-        </p:nvSpPr>
-        <p:spPr>
-          <a:xfrm flipH="1">
-            <a:off x="552450" y="5981699"/>
-            <a:ext cx="334187" cy="1828793"/>
-          </a:xfrm>
-          <a:prstGeom prst="rect">
-            <a:avLst/>
-          </a:prstGeom>
-        </p:spPr>
-        <p:txBody>
-          <a:bodyPr>
-            <a:noAutofit/>
-          </a:bodyPr>
-          <a:lstStyle/>
-          <a:p>
-            <a:pPr algn="just"/>
-            <a:r>
-              <a:rPr lang="ru-RU" sz="5000" dirty="0"/>
-              <a:t> </a:t>
-            </a:r>
-            <a:endParaRPr sz="5000" dirty="0"/>
-          </a:p>
-        </p:txBody>
-      </p:sp>
-      <p:pic>
-        <p:nvPicPr>
-          <p:cNvPr id="2" name="Рисунок 1">
-            <a:extLst>
-              <a:ext uri="{FF2B5EF4-FFF2-40B4-BE49-F238E27FC236}">
-                <a16:creationId xmlns="" xmlns:a16="http://schemas.microsoft.com/office/drawing/2014/main" id="{7385D42A-F689-5E81-3CBE-F2ED7E3D2DB0}"/>
-              </a:ext>
-            </a:extLst>
-          </p:cNvPr>
-          <p:cNvPicPr>
-            <a:picLocks noChangeAspect="1"/>
-          </p:cNvPicPr>
-          <p:nvPr/>
-        </p:nvPicPr>
-        <p:blipFill>
-          <a:blip r:embed="rId2" cstate="print">
-            <a:extLst>
-              <a:ext uri="{28A0092B-C50C-407E-A947-70E740481C1C}">
-                <a14:useLocalDpi xmlns="" xmlns:a14="http://schemas.microsoft.com/office/drawing/2010/main" val="0"/>
-              </a:ext>
-            </a:extLst>
-          </a:blip>
-          <a:stretch>
-            <a:fillRect/>
-          </a:stretch>
-        </p:blipFill>
-        <p:spPr>
-          <a:xfrm>
-            <a:off x="21905137" y="356507"/>
-            <a:ext cx="1905001" cy="1905001"/>
-          </a:xfrm>
-          <a:prstGeom prst="rect">
-            <a:avLst/>
-          </a:prstGeom>
         </p:spPr>
       </p:pic>
       <p:pic>
         <p:nvPicPr>
-          <p:cNvPr id="10" name="Рисунок 9" descr="qr-code.png"/>
+          <p:cNvPr id="5122" name="Picture 2"/>
           <p:cNvPicPr>
-            <a:picLocks noChangeAspect="1"/>
+            <a:picLocks noChangeAspect="1" noChangeArrowheads="1"/>
           </p:cNvPicPr>
           <p:nvPr/>
         </p:nvPicPr>
         <p:blipFill>
           <a:blip r:embed="rId3" cstate="print"/>
+          <a:srcRect/>
           <a:stretch>
             <a:fillRect/>
           </a:stretch>
         </p:blipFill>
-        <p:spPr>
-          <a:xfrm>
-            <a:off x="988638" y="1822356"/>
-            <a:ext cx="11194397" cy="11194397"/>
+        <p:spPr bwMode="auto">
+          <a:xfrm>
+            <a:off x="823167" y="2781954"/>
+            <a:ext cx="17115210" cy="9628280"/>
           </a:xfrm>
           <a:prstGeom prst="rect">
             <a:avLst/>
           </a:prstGeom>
+          <a:noFill/>
+          <a:ln w="9525">
+            <a:noFill/>
+            <a:miter lim="800000"/>
+            <a:headEnd/>
+            <a:tailEnd/>
+          </a:ln>
         </p:spPr>
       </p:pic>
       <p:pic>
         <p:nvPicPr>
-          <p:cNvPr id="11" name="Рисунок 10">
-            <a:extLst>
-              <a:ext uri="{FF2B5EF4-FFF2-40B4-BE49-F238E27FC236}">
-                <a16:creationId xmlns="" xmlns:a16="http://schemas.microsoft.com/office/drawing/2014/main" id="{D3A322E7-1D33-C822-1D9B-82DAFAC0970A}"/>
-              </a:ext>
-            </a:extLst>
-          </p:cNvPr>
+          <p:cNvPr id="7170" name="Picture 2"/>
           <p:cNvPicPr>
-            <a:picLocks noChangeAspect="1"/>
+            <a:picLocks noChangeAspect="1" noChangeArrowheads="1"/>
           </p:cNvPicPr>
           <p:nvPr/>
         </p:nvPicPr>
         <p:blipFill>
-          <a:blip r:embed="rId4" cstate="print">
-            <a:extLst>
-              <a:ext uri="{28A0092B-C50C-407E-A947-70E740481C1C}">
-                <a14:useLocalDpi xmlns="" xmlns:a14="http://schemas.microsoft.com/office/drawing/2010/main" val="0"/>
-              </a:ext>
-            </a:extLst>
-          </a:blip>
+          <a:blip r:embed="rId4" cstate="print"/>
+          <a:srcRect/>
           <a:stretch>
             <a:fillRect/>
           </a:stretch>
         </p:blipFill>
-        <p:spPr>
-          <a:xfrm flipH="1">
-            <a:off x="14818659" y="6934749"/>
-            <a:ext cx="3644540" cy="6781251"/>
+        <p:spPr bwMode="auto">
+          <a:xfrm>
+            <a:off x="796272" y="2755060"/>
+            <a:ext cx="17332832" cy="9750705"/>
           </a:xfrm>
           <a:prstGeom prst="rect">
             <a:avLst/>
           </a:prstGeom>
+          <a:noFill/>
+          <a:ln w="9525">
+            <a:noFill/>
+            <a:miter lim="800000"/>
+            <a:headEnd/>
+            <a:tailEnd/>
+          </a:ln>
         </p:spPr>
       </p:pic>
     </p:spTree>
-    <p:extLst>
-      <p:ext uri="{BB962C8B-B14F-4D97-AF65-F5344CB8AC3E}">
-        <p14:creationId xmlns="" xmlns:p14="http://schemas.microsoft.com/office/powerpoint/2010/main" val="4215545952"/>
-      </p:ext>
-    </p:extLst>
   </p:cSld>
   <p:clrMapOvr>
     <a:masterClrMapping/>
@@ -8409,12 +10066,136 @@
           <a:chExt cx="0" cy="0"/>
         </a:xfrm>
       </p:grpSpPr>
+      <p:sp>
+        <p:nvSpPr>
+          <p:cNvPr id="6" name="TextBox 5">
+            <a:extLst>
+              <a:ext uri="{FF2B5EF4-FFF2-40B4-BE49-F238E27FC236}">
+                <a16:creationId xmlns:a16="http://schemas.microsoft.com/office/drawing/2014/main" xmlns="" id="{C91670A9-357A-4966-AFFF-572EDA5F7781}"/>
+              </a:ext>
+            </a:extLst>
+          </p:cNvPr>
+          <p:cNvSpPr txBox="1"/>
+          <p:nvPr/>
+        </p:nvSpPr>
+        <p:spPr>
+          <a:xfrm>
+            <a:off x="885094" y="693072"/>
+            <a:ext cx="11432412" cy="1579920"/>
+          </a:xfrm>
+          <a:prstGeom prst="rect">
+            <a:avLst/>
+          </a:prstGeom>
+          <a:noFill/>
+          <a:ln w="12700" cap="flat">
+            <a:noFill/>
+            <a:miter lim="400000"/>
+          </a:ln>
+          <a:effectLst/>
+          <a:sp3d/>
+        </p:spPr>
+        <p:style>
+          <a:lnRef idx="0">
+            <a:scrgbClr r="0" g="0" b="0"/>
+          </a:lnRef>
+          <a:fillRef idx="0">
+            <a:scrgbClr r="0" g="0" b="0"/>
+          </a:fillRef>
+          <a:effectRef idx="0">
+            <a:scrgbClr r="0" g="0" b="0"/>
+          </a:effectRef>
+          <a:fontRef idx="none"/>
+        </p:style>
+        <p:txBody>
+          <a:bodyPr rot="0" spcFirstLastPara="1" vertOverflow="overflow" horzOverflow="overflow" vert="horz" wrap="square" lIns="50800" tIns="50800" rIns="50800" bIns="50800" numCol="1" spcCol="38100" rtlCol="0" anchor="ctr">
+            <a:spAutoFit/>
+          </a:bodyPr>
+          <a:lstStyle/>
+          <a:p>
+            <a:pPr marL="0" marR="0" indent="0" algn="l" defTabSz="2438338" rtl="0" fontAlgn="auto" latinLnBrk="0" hangingPunct="0">
+              <a:lnSpc>
+                <a:spcPct val="90000"/>
+              </a:lnSpc>
+              <a:spcBef>
+                <a:spcPts val="4500"/>
+              </a:spcBef>
+              <a:spcAft>
+                <a:spcPts val="0"/>
+              </a:spcAft>
+              <a:buClrTx/>
+              <a:buSzTx/>
+              <a:buFontTx/>
+              <a:buNone/>
+              <a:tabLst/>
+            </a:pPr>
+            <a:r>
+              <a:rPr kumimoji="0" lang="ru-RU" sz="6500" b="1" i="0" u="none" strike="noStrike" cap="none" spc="0" normalizeH="0" baseline="0" dirty="0" smtClean="0">
+                <a:ln>
+                  <a:noFill/>
+                </a:ln>
+                <a:solidFill>
+                  <a:srgbClr val="000000"/>
+                </a:solidFill>
+                <a:effectLst/>
+                <a:uFillTx/>
+                <a:latin typeface="Helvetica Neue (Основной текст)"/>
+                <a:sym typeface="Helvetica Neue"/>
+              </a:rPr>
+              <a:t>Создавай свои игры!</a:t>
+            </a:r>
+            <a:endParaRPr kumimoji="0" lang="ru-RU" sz="6500" b="1" i="0" u="none" strike="noStrike" cap="none" spc="0" normalizeH="0" baseline="0" dirty="0">
+              <a:ln>
+                <a:noFill/>
+              </a:ln>
+              <a:solidFill>
+                <a:srgbClr val="000000"/>
+              </a:solidFill>
+              <a:effectLst/>
+              <a:uFillTx/>
+              <a:latin typeface="Helvetica Neue (Основной текст)"/>
+              <a:sym typeface="Helvetica Neue"/>
+            </a:endParaRPr>
+          </a:p>
+        </p:txBody>
+      </p:sp>
+      <p:pic>
+        <p:nvPicPr>
+          <p:cNvPr id="7" name="Picture 4"/>
+          <p:cNvPicPr>
+            <a:picLocks noChangeAspect="1" noChangeArrowheads="1"/>
+          </p:cNvPicPr>
+          <p:nvPr/>
+        </p:nvPicPr>
+        <p:blipFill>
+          <a:blip r:embed="rId2" cstate="print"/>
+          <a:srcRect/>
+          <a:stretch>
+            <a:fillRect/>
+          </a:stretch>
+        </p:blipFill>
+        <p:spPr bwMode="auto">
+          <a:xfrm>
+            <a:off x="845482" y="2850775"/>
+            <a:ext cx="16877741" cy="9489096"/>
+          </a:xfrm>
+          <a:prstGeom prst="rect">
+            <a:avLst/>
+          </a:prstGeom>
+          <a:noFill/>
+          <a:ln w="9525">
+            <a:noFill/>
+            <a:miter lim="800000"/>
+            <a:headEnd/>
+            <a:tailEnd/>
+          </a:ln>
+        </p:spPr>
+      </p:pic>
       <p:cxnSp>
         <p:nvCxnSpPr>
-          <p:cNvPr id="6" name="Прямая соединительная линия 5">
+          <p:cNvPr id="8" name="Прямая соединительная линия 7">
             <a:extLst>
               <a:ext uri="{FF2B5EF4-FFF2-40B4-BE49-F238E27FC236}">
-                <a16:creationId xmlns="" xmlns:a16="http://schemas.microsoft.com/office/drawing/2014/main" id="{81405752-4924-49AE-B5B4-720297F8DACC}"/>
+                <a16:creationId xmlns:a16="http://schemas.microsoft.com/office/drawing/2014/main" xmlns="" id="{81405752-4924-49AE-B5B4-720297F8DACC}"/>
               </a:ext>
             </a:extLst>
           </p:cNvPr>
@@ -8423,8 +10204,8 @@
         </p:nvCxnSpPr>
         <p:spPr>
           <a:xfrm>
-            <a:off x="886633" y="1458387"/>
-            <a:ext cx="12080631" cy="0"/>
+            <a:off x="859739" y="2487864"/>
+            <a:ext cx="17078637" cy="0"/>
           </a:xfrm>
           <a:prstGeom prst="line">
             <a:avLst/>
@@ -8446,32 +10227,94 @@
           </a:fontRef>
         </p:style>
       </p:cxnSp>
-      <p:cxnSp>
-        <p:nvCxnSpPr>
-          <p:cNvPr id="8" name="Прямая соединительная линия 7">
+      <p:pic>
+        <p:nvPicPr>
+          <p:cNvPr id="3074" name="Picture 2"/>
+          <p:cNvPicPr>
+            <a:picLocks noChangeAspect="1" noChangeArrowheads="1"/>
+          </p:cNvPicPr>
+          <p:nvPr/>
+        </p:nvPicPr>
+        <p:blipFill>
+          <a:blip r:embed="rId3" cstate="print"/>
+          <a:srcRect/>
+          <a:stretch>
+            <a:fillRect/>
+          </a:stretch>
+        </p:blipFill>
+        <p:spPr bwMode="auto">
+          <a:xfrm>
+            <a:off x="845483" y="2877670"/>
+            <a:ext cx="16850845" cy="9473974"/>
+          </a:xfrm>
+          <a:prstGeom prst="rect">
+            <a:avLst/>
+          </a:prstGeom>
+          <a:noFill/>
+          <a:ln w="9525">
+            <a:noFill/>
+            <a:miter lim="800000"/>
+            <a:headEnd/>
+            <a:tailEnd/>
+          </a:ln>
+        </p:spPr>
+      </p:pic>
+    </p:spTree>
+  </p:cSld>
+  <p:clrMapOvr>
+    <a:masterClrMapping/>
+  </p:clrMapOvr>
+  <p:transition spd="slow"/>
+  <p:timing>
+    <p:tnLst>
+      <p:par>
+        <p:cTn id="1" dur="indefinite" restart="never" nodeType="tmRoot"/>
+      </p:par>
+    </p:tnLst>
+  </p:timing>
+</p:sld>
+</file>
+
+<file path=ppt/slides/slide7.xml><?xml version="1.0" encoding="utf-8"?>
+<p:sld xmlns:a="http://schemas.openxmlformats.org/drawingml/2006/main" xmlns:r="http://schemas.openxmlformats.org/officeDocument/2006/relationships" xmlns:p="http://schemas.openxmlformats.org/presentationml/2006/main">
+  <p:cSld>
+    <p:spTree>
+      <p:nvGrpSpPr>
+        <p:cNvPr id="1" name=""/>
+        <p:cNvGrpSpPr/>
+        <p:nvPr/>
+      </p:nvGrpSpPr>
+      <p:grpSpPr>
+        <a:xfrm>
+          <a:off x="0" y="0"/>
+          <a:ext cx="0" cy="0"/>
+          <a:chOff x="0" y="0"/>
+          <a:chExt cx="0" cy="0"/>
+        </a:xfrm>
+      </p:grpSpPr>
+      <p:sp>
+        <p:nvSpPr>
+          <p:cNvPr id="6" name="TextBox 5">
             <a:extLst>
               <a:ext uri="{FF2B5EF4-FFF2-40B4-BE49-F238E27FC236}">
-                <a16:creationId xmlns="" xmlns:a16="http://schemas.microsoft.com/office/drawing/2014/main" id="{96181586-1320-4FBF-959C-667A0E451D96}"/>
+                <a16:creationId xmlns:a16="http://schemas.microsoft.com/office/drawing/2014/main" xmlns="" id="{C91670A9-357A-4966-AFFF-572EDA5F7781}"/>
               </a:ext>
             </a:extLst>
           </p:cNvPr>
-          <p:cNvCxnSpPr/>
+          <p:cNvSpPr txBox="1"/>
           <p:nvPr/>
-        </p:nvCxnSpPr>
+        </p:nvSpPr>
         <p:spPr>
           <a:xfrm>
-            <a:off x="8616462" y="1776046"/>
-            <a:ext cx="0" cy="0"/>
-          </a:xfrm>
-          <a:prstGeom prst="line">
+            <a:off x="885094" y="693072"/>
+            <a:ext cx="11432412" cy="1579920"/>
+          </a:xfrm>
+          <a:prstGeom prst="rect">
             <a:avLst/>
           </a:prstGeom>
           <a:noFill/>
-          <a:ln w="25400" cap="flat">
-            <a:solidFill>
-              <a:srgbClr val="000000"/>
-            </a:solidFill>
-            <a:prstDash val="solid"/>
+          <a:ln w="12700" cap="flat">
+            <a:noFill/>
             <a:miter lim="400000"/>
           </a:ln>
           <a:effectLst/>
@@ -8489,13 +10332,198 @@
           </a:effectRef>
           <a:fontRef idx="none"/>
         </p:style>
-      </p:cxnSp>
-      <p:sp>
-        <p:nvSpPr>
-          <p:cNvPr id="9" name="TextBox 8">
+        <p:txBody>
+          <a:bodyPr rot="0" spcFirstLastPara="1" vertOverflow="overflow" horzOverflow="overflow" vert="horz" wrap="square" lIns="50800" tIns="50800" rIns="50800" bIns="50800" numCol="1" spcCol="38100" rtlCol="0" anchor="ctr">
+            <a:spAutoFit/>
+          </a:bodyPr>
+          <a:lstStyle/>
+          <a:p>
+            <a:pPr marL="0" marR="0" indent="0" algn="l" defTabSz="2438338" rtl="0" fontAlgn="auto" latinLnBrk="0" hangingPunct="0">
+              <a:lnSpc>
+                <a:spcPct val="90000"/>
+              </a:lnSpc>
+              <a:spcBef>
+                <a:spcPts val="4500"/>
+              </a:spcBef>
+              <a:spcAft>
+                <a:spcPts val="0"/>
+              </a:spcAft>
+              <a:buClrTx/>
+              <a:buSzTx/>
+              <a:buFontTx/>
+              <a:buNone/>
+              <a:tabLst/>
+            </a:pPr>
+            <a:r>
+              <a:rPr kumimoji="0" lang="ru-RU" sz="6500" b="1" i="0" u="none" strike="noStrike" cap="none" spc="0" normalizeH="0" baseline="0" dirty="0" smtClean="0">
+                <a:ln>
+                  <a:noFill/>
+                </a:ln>
+                <a:solidFill>
+                  <a:srgbClr val="000000"/>
+                </a:solidFill>
+                <a:effectLst/>
+                <a:uFillTx/>
+                <a:latin typeface="Helvetica Neue (Основной текст)"/>
+                <a:sym typeface="Helvetica Neue"/>
+              </a:rPr>
+              <a:t>Ищи игры по названию!</a:t>
+            </a:r>
+            <a:endParaRPr kumimoji="0" lang="ru-RU" sz="6500" b="1" i="0" u="none" strike="noStrike" cap="none" spc="0" normalizeH="0" baseline="0" dirty="0">
+              <a:ln>
+                <a:noFill/>
+              </a:ln>
+              <a:solidFill>
+                <a:srgbClr val="000000"/>
+              </a:solidFill>
+              <a:effectLst/>
+              <a:uFillTx/>
+              <a:latin typeface="Helvetica Neue (Основной текст)"/>
+              <a:sym typeface="Helvetica Neue"/>
+            </a:endParaRPr>
+          </a:p>
+        </p:txBody>
+      </p:sp>
+      <p:pic>
+        <p:nvPicPr>
+          <p:cNvPr id="7" name="Picture 4"/>
+          <p:cNvPicPr>
+            <a:picLocks noChangeAspect="1" noChangeArrowheads="1"/>
+          </p:cNvPicPr>
+          <p:nvPr/>
+        </p:nvPicPr>
+        <p:blipFill>
+          <a:blip r:embed="rId2" cstate="print"/>
+          <a:srcRect/>
+          <a:stretch>
+            <a:fillRect/>
+          </a:stretch>
+        </p:blipFill>
+        <p:spPr bwMode="auto">
+          <a:xfrm>
+            <a:off x="845482" y="2850775"/>
+            <a:ext cx="16877741" cy="9489096"/>
+          </a:xfrm>
+          <a:prstGeom prst="rect">
+            <a:avLst/>
+          </a:prstGeom>
+          <a:noFill/>
+          <a:ln w="9525">
+            <a:noFill/>
+            <a:miter lim="800000"/>
+            <a:headEnd/>
+            <a:tailEnd/>
+          </a:ln>
+        </p:spPr>
+      </p:pic>
+      <p:cxnSp>
+        <p:nvCxnSpPr>
+          <p:cNvPr id="9" name="Прямая соединительная линия 8">
             <a:extLst>
               <a:ext uri="{FF2B5EF4-FFF2-40B4-BE49-F238E27FC236}">
-                <a16:creationId xmlns="" xmlns:a16="http://schemas.microsoft.com/office/drawing/2014/main" id="{C91670A9-357A-4966-AFFF-572EDA5F7781}"/>
+                <a16:creationId xmlns:a16="http://schemas.microsoft.com/office/drawing/2014/main" xmlns="" id="{81405752-4924-49AE-B5B4-720297F8DACC}"/>
+              </a:ext>
+            </a:extLst>
+          </p:cNvPr>
+          <p:cNvCxnSpPr/>
+          <p:nvPr/>
+        </p:nvCxnSpPr>
+        <p:spPr>
+          <a:xfrm>
+            <a:off x="859739" y="2487864"/>
+            <a:ext cx="17078637" cy="0"/>
+          </a:xfrm>
+          <a:prstGeom prst="line">
+            <a:avLst/>
+          </a:prstGeom>
+          <a:ln/>
+        </p:spPr>
+        <p:style>
+          <a:lnRef idx="3">
+            <a:schemeClr val="dk1"/>
+          </a:lnRef>
+          <a:fillRef idx="0">
+            <a:schemeClr val="dk1"/>
+          </a:fillRef>
+          <a:effectRef idx="2">
+            <a:schemeClr val="dk1"/>
+          </a:effectRef>
+          <a:fontRef idx="minor">
+            <a:schemeClr val="tx1"/>
+          </a:fontRef>
+        </p:style>
+      </p:cxnSp>
+      <p:pic>
+        <p:nvPicPr>
+          <p:cNvPr id="10" name="Picture 2"/>
+          <p:cNvPicPr>
+            <a:picLocks noChangeAspect="1" noChangeArrowheads="1"/>
+          </p:cNvPicPr>
+          <p:nvPr/>
+        </p:nvPicPr>
+        <p:blipFill>
+          <a:blip r:embed="rId3" cstate="print"/>
+          <a:srcRect/>
+          <a:stretch>
+            <a:fillRect/>
+          </a:stretch>
+        </p:blipFill>
+        <p:spPr bwMode="auto">
+          <a:xfrm>
+            <a:off x="823166" y="2889530"/>
+            <a:ext cx="16926952" cy="9522374"/>
+          </a:xfrm>
+          <a:prstGeom prst="rect">
+            <a:avLst/>
+          </a:prstGeom>
+          <a:noFill/>
+          <a:ln w="9525">
+            <a:noFill/>
+            <a:miter lim="800000"/>
+            <a:headEnd/>
+            <a:tailEnd/>
+          </a:ln>
+        </p:spPr>
+      </p:pic>
+    </p:spTree>
+  </p:cSld>
+  <p:clrMapOvr>
+    <a:masterClrMapping/>
+  </p:clrMapOvr>
+  <p:transition spd="slow"/>
+  <p:timing>
+    <p:tnLst>
+      <p:par>
+        <p:cTn id="1" dur="indefinite" restart="never" nodeType="tmRoot"/>
+      </p:par>
+    </p:tnLst>
+  </p:timing>
+</p:sld>
+</file>
+
+<file path=ppt/slides/slide8.xml><?xml version="1.0" encoding="utf-8"?>
+<p:sld xmlns:a="http://schemas.openxmlformats.org/drawingml/2006/main" xmlns:r="http://schemas.openxmlformats.org/officeDocument/2006/relationships" xmlns:p="http://schemas.openxmlformats.org/presentationml/2006/main">
+  <p:cSld>
+    <p:spTree>
+      <p:nvGrpSpPr>
+        <p:cNvPr id="1" name=""/>
+        <p:cNvGrpSpPr/>
+        <p:nvPr/>
+      </p:nvGrpSpPr>
+      <p:grpSpPr>
+        <a:xfrm>
+          <a:off x="0" y="0"/>
+          <a:ext cx="0" cy="0"/>
+          <a:chOff x="0" y="0"/>
+          <a:chExt cx="0" cy="0"/>
+        </a:xfrm>
+      </p:grpSpPr>
+      <p:sp>
+        <p:nvSpPr>
+          <p:cNvPr id="6" name="TextBox 5">
+            <a:extLst>
+              <a:ext uri="{FF2B5EF4-FFF2-40B4-BE49-F238E27FC236}">
+                <a16:creationId xmlns:a16="http://schemas.microsoft.com/office/drawing/2014/main" xmlns="" id="{C91670A9-357A-4966-AFFF-572EDA5F7781}"/>
               </a:ext>
             </a:extLst>
           </p:cNvPr>
@@ -8504,8 +10532,8 @@
         </p:nvSpPr>
         <p:spPr>
           <a:xfrm>
-            <a:off x="886633" y="-37860"/>
-            <a:ext cx="22412985" cy="1441420"/>
+            <a:off x="885094" y="693072"/>
+            <a:ext cx="17322224" cy="1579920"/>
           </a:xfrm>
           <a:prstGeom prst="rect">
             <a:avLst/>
@@ -8536,211 +10564,395 @@
           </a:bodyPr>
           <a:lstStyle/>
           <a:p>
+            <a:pPr marL="0" marR="0" indent="0" algn="l" defTabSz="2438338" rtl="0" fontAlgn="auto" latinLnBrk="0" hangingPunct="0">
+              <a:lnSpc>
+                <a:spcPct val="90000"/>
+              </a:lnSpc>
+              <a:spcBef>
+                <a:spcPts val="4500"/>
+              </a:spcBef>
+              <a:spcAft>
+                <a:spcPts val="0"/>
+              </a:spcAft>
+              <a:buClrTx/>
+              <a:buSzTx/>
+              <a:buFontTx/>
+              <a:buNone/>
+              <a:tabLst/>
+            </a:pPr>
             <a:r>
-              <a:rPr lang="ru-RU" sz="5500" b="1" dirty="0">
+              <a:rPr kumimoji="0" lang="ru-RU" sz="6500" b="1" i="0" u="none" strike="noStrike" cap="none" spc="0" normalizeH="0" baseline="0" dirty="0" smtClean="0">
+                <a:ln>
+                  <a:noFill/>
+                </a:ln>
+                <a:solidFill>
+                  <a:srgbClr val="000000"/>
+                </a:solidFill>
+                <a:effectLst/>
+                <a:uFillTx/>
                 <a:latin typeface="Helvetica Neue (Основной текст)"/>
+                <a:sym typeface="Helvetica Neue"/>
               </a:rPr>
-              <a:t>Наша команда</a:t>
+              <a:t>Ставь оценки и делись впечатлениями!</a:t>
             </a:r>
+            <a:endParaRPr kumimoji="0" lang="ru-RU" sz="6500" b="1" i="0" u="none" strike="noStrike" cap="none" spc="0" normalizeH="0" baseline="0" dirty="0">
+              <a:ln>
+                <a:noFill/>
+              </a:ln>
+              <a:solidFill>
+                <a:srgbClr val="000000"/>
+              </a:solidFill>
+              <a:effectLst/>
+              <a:uFillTx/>
+              <a:latin typeface="Helvetica Neue (Основной текст)"/>
+              <a:sym typeface="Helvetica Neue"/>
+            </a:endParaRPr>
           </a:p>
         </p:txBody>
       </p:sp>
       <p:pic>
         <p:nvPicPr>
-          <p:cNvPr id="3" name="Рисунок 2">
-            <a:extLst>
-              <a:ext uri="{FF2B5EF4-FFF2-40B4-BE49-F238E27FC236}">
-                <a16:creationId xmlns="" xmlns:a16="http://schemas.microsoft.com/office/drawing/2014/main" id="{29B66707-A1AD-2719-F951-89E4CD58D7B2}"/>
-              </a:ext>
-            </a:extLst>
-          </p:cNvPr>
+          <p:cNvPr id="7" name="Picture 4"/>
           <p:cNvPicPr>
-            <a:picLocks noChangeAspect="1"/>
+            <a:picLocks noChangeAspect="1" noChangeArrowheads="1"/>
           </p:cNvPicPr>
           <p:nvPr/>
         </p:nvPicPr>
         <p:blipFill>
-          <a:blip r:embed="rId2" cstate="print">
-            <a:extLst>
-              <a:ext uri="{28A0092B-C50C-407E-A947-70E740481C1C}">
-                <a14:useLocalDpi xmlns="" xmlns:a14="http://schemas.microsoft.com/office/drawing/2010/main" val="0"/>
-              </a:ext>
-            </a:extLst>
-          </a:blip>
+          <a:blip r:embed="rId2" cstate="print"/>
+          <a:srcRect/>
           <a:stretch>
             <a:fillRect/>
           </a:stretch>
         </p:blipFill>
-        <p:spPr>
-          <a:xfrm>
-            <a:off x="21905137" y="356507"/>
-            <a:ext cx="1905001" cy="1905001"/>
-          </a:xfrm>
-          <a:prstGeom prst="rect">
-            <a:avLst/>
-          </a:prstGeom>
-        </p:spPr>
-      </p:pic>
-      <p:sp>
-        <p:nvSpPr>
-          <p:cNvPr id="12" name="Овал 11"/>
-          <p:cNvSpPr/>
-          <p:nvPr/>
-        </p:nvSpPr>
-        <p:spPr>
-          <a:xfrm>
-            <a:off x="2405743" y="2015671"/>
-            <a:ext cx="5054600" cy="5054600"/>
-          </a:xfrm>
-          <a:prstGeom prst="ellipse">
-            <a:avLst/>
-          </a:prstGeom>
-          <a:blipFill>
-            <a:blip r:embed="rId3" cstate="print"/>
-            <a:stretch>
-              <a:fillRect/>
-            </a:stretch>
-          </a:blipFill>
-        </p:spPr>
-        <p:style>
-          <a:lnRef idx="2">
-            <a:schemeClr val="accent1">
-              <a:shade val="50000"/>
-            </a:schemeClr>
-          </a:lnRef>
-          <a:fillRef idx="1">
-            <a:schemeClr val="accent1"/>
-          </a:fillRef>
-          <a:effectRef idx="0">
-            <a:schemeClr val="accent1"/>
-          </a:effectRef>
-          <a:fontRef idx="minor">
-            <a:schemeClr val="lt1"/>
-          </a:fontRef>
-        </p:style>
-        <p:txBody>
-          <a:bodyPr rtlCol="0" anchor="ctr"/>
-          <a:lstStyle/>
-          <a:p>
-            <a:pPr algn="ctr"/>
-            <a:endParaRPr lang="ru-RU"/>
-          </a:p>
-        </p:txBody>
-      </p:sp>
-      <p:sp>
-        <p:nvSpPr>
-          <p:cNvPr id="13" name="TextBox 12"/>
-          <p:cNvSpPr txBox="1"/>
-          <p:nvPr/>
-        </p:nvSpPr>
-        <p:spPr>
-          <a:xfrm>
-            <a:off x="2565400" y="7289800"/>
-            <a:ext cx="4902200" cy="923330"/>
+        <p:spPr bwMode="auto">
+          <a:xfrm>
+            <a:off x="845482" y="2850775"/>
+            <a:ext cx="16877741" cy="9489096"/>
           </a:xfrm>
           <a:prstGeom prst="rect">
             <a:avLst/>
           </a:prstGeom>
           <a:noFill/>
-        </p:spPr>
-        <p:txBody>
-          <a:bodyPr wrap="square" rtlCol="0">
-            <a:spAutoFit/>
-          </a:bodyPr>
-          <a:lstStyle/>
-          <a:p>
-            <a:r>
-              <a:rPr lang="ru-RU" sz="5400" dirty="0" err="1"/>
-              <a:t>Базин</a:t>
-            </a:r>
-            <a:r>
-              <a:rPr lang="ru-RU" sz="5400" dirty="0"/>
-              <a:t> Алексей</a:t>
-            </a:r>
-          </a:p>
-        </p:txBody>
-      </p:sp>
-      <p:sp>
-        <p:nvSpPr>
-          <p:cNvPr id="14" name="Овал 13"/>
-          <p:cNvSpPr/>
+          <a:ln w="9525">
+            <a:noFill/>
+            <a:miter lim="800000"/>
+            <a:headEnd/>
+            <a:tailEnd/>
+          </a:ln>
+        </p:spPr>
+      </p:pic>
+      <p:cxnSp>
+        <p:nvCxnSpPr>
+          <p:cNvPr id="9" name="Прямая соединительная линия 8">
+            <a:extLst>
+              <a:ext uri="{FF2B5EF4-FFF2-40B4-BE49-F238E27FC236}">
+                <a16:creationId xmlns:a16="http://schemas.microsoft.com/office/drawing/2014/main" xmlns="" id="{81405752-4924-49AE-B5B4-720297F8DACC}"/>
+              </a:ext>
+            </a:extLst>
+          </p:cNvPr>
+          <p:cNvCxnSpPr/>
           <p:nvPr/>
-        </p:nvSpPr>
+        </p:nvCxnSpPr>
         <p:spPr>
           <a:xfrm>
-            <a:off x="11524343" y="7349671"/>
-            <a:ext cx="5054600" cy="5054600"/>
-          </a:xfrm>
-          <a:prstGeom prst="ellipse">
+            <a:off x="859739" y="2487864"/>
+            <a:ext cx="17078637" cy="0"/>
+          </a:xfrm>
+          <a:prstGeom prst="line">
             <a:avLst/>
           </a:prstGeom>
-          <a:blipFill>
-            <a:blip r:embed="rId4" cstate="print"/>
-            <a:stretch>
-              <a:fillRect/>
-            </a:stretch>
-          </a:blipFill>
+          <a:ln/>
         </p:spPr>
         <p:style>
-          <a:lnRef idx="2">
-            <a:schemeClr val="accent1">
-              <a:shade val="50000"/>
-            </a:schemeClr>
+          <a:lnRef idx="3">
+            <a:schemeClr val="dk1"/>
           </a:lnRef>
-          <a:fillRef idx="1">
-            <a:schemeClr val="accent1"/>
+          <a:fillRef idx="0">
+            <a:schemeClr val="dk1"/>
           </a:fillRef>
-          <a:effectRef idx="0">
-            <a:schemeClr val="accent1"/>
+          <a:effectRef idx="2">
+            <a:schemeClr val="dk1"/>
           </a:effectRef>
           <a:fontRef idx="minor">
-            <a:schemeClr val="lt1"/>
+            <a:schemeClr val="tx1"/>
           </a:fontRef>
         </p:style>
-        <p:txBody>
-          <a:bodyPr rtlCol="0" anchor="ctr"/>
-          <a:lstStyle/>
-          <a:p>
-            <a:pPr algn="ctr"/>
-            <a:endParaRPr lang="ru-RU"/>
-          </a:p>
-        </p:txBody>
-      </p:sp>
-      <p:sp>
-        <p:nvSpPr>
-          <p:cNvPr id="15" name="TextBox 14"/>
-          <p:cNvSpPr txBox="1"/>
+      </p:cxnSp>
+      <p:pic>
+        <p:nvPicPr>
+          <p:cNvPr id="6146" name="Picture 2"/>
+          <p:cNvPicPr>
+            <a:picLocks noChangeAspect="1" noChangeArrowheads="1"/>
+          </p:cNvPicPr>
           <p:nvPr/>
-        </p:nvSpPr>
-        <p:spPr>
-          <a:xfrm>
-            <a:off x="11709400" y="6146800"/>
-            <a:ext cx="4902200" cy="923330"/>
+        </p:nvPicPr>
+        <p:blipFill>
+          <a:blip r:embed="rId3" cstate="print"/>
+          <a:srcRect/>
+          <a:stretch>
+            <a:fillRect/>
+          </a:stretch>
+        </p:blipFill>
+        <p:spPr bwMode="auto">
+          <a:xfrm>
+            <a:off x="823166" y="2889530"/>
+            <a:ext cx="16926952" cy="9522374"/>
           </a:xfrm>
           <a:prstGeom prst="rect">
             <a:avLst/>
           </a:prstGeom>
           <a:noFill/>
-        </p:spPr>
-        <p:txBody>
-          <a:bodyPr wrap="square" rtlCol="0">
+          <a:ln w="9525">
+            <a:noFill/>
+            <a:miter lim="800000"/>
+            <a:headEnd/>
+            <a:tailEnd/>
+          </a:ln>
+        </p:spPr>
+      </p:pic>
+      <p:pic>
+        <p:nvPicPr>
+          <p:cNvPr id="6147" name="Picture 3"/>
+          <p:cNvPicPr>
+            <a:picLocks noChangeAspect="1" noChangeArrowheads="1"/>
+          </p:cNvPicPr>
+          <p:nvPr/>
+        </p:nvPicPr>
+        <p:blipFill>
+          <a:blip r:embed="rId4" cstate="print"/>
+          <a:srcRect/>
+          <a:stretch>
+            <a:fillRect/>
+          </a:stretch>
+        </p:blipFill>
+        <p:spPr bwMode="auto">
+          <a:xfrm>
+            <a:off x="823166" y="2781954"/>
+            <a:ext cx="17007634" cy="9696917"/>
+          </a:xfrm>
+          <a:prstGeom prst="rect">
+            <a:avLst/>
+          </a:prstGeom>
+          <a:noFill/>
+          <a:ln w="9525">
+            <a:noFill/>
+            <a:miter lim="800000"/>
+            <a:headEnd/>
+            <a:tailEnd/>
+          </a:ln>
+        </p:spPr>
+      </p:pic>
+    </p:spTree>
+  </p:cSld>
+  <p:clrMapOvr>
+    <a:masterClrMapping/>
+  </p:clrMapOvr>
+  <p:transition spd="slow"/>
+  <p:timing>
+    <p:tnLst>
+      <p:par>
+        <p:cTn id="1" dur="indefinite" restart="never" nodeType="tmRoot"/>
+      </p:par>
+    </p:tnLst>
+  </p:timing>
+</p:sld>
+</file>
+
+<file path=ppt/slides/slide9.xml><?xml version="1.0" encoding="utf-8"?>
+<p:sld xmlns:a="http://schemas.openxmlformats.org/drawingml/2006/main" xmlns:r="http://schemas.openxmlformats.org/officeDocument/2006/relationships" xmlns:p="http://schemas.openxmlformats.org/presentationml/2006/main">
+  <p:cSld>
+    <p:spTree>
+      <p:nvGrpSpPr>
+        <p:cNvPr id="1" name=""/>
+        <p:cNvGrpSpPr/>
+        <p:nvPr/>
+      </p:nvGrpSpPr>
+      <p:grpSpPr>
+        <a:xfrm>
+          <a:off x="0" y="0"/>
+          <a:ext cx="0" cy="0"/>
+          <a:chOff x="0" y="0"/>
+          <a:chExt cx="0" cy="0"/>
+        </a:xfrm>
+      </p:grpSpPr>
+      <p:sp>
+        <p:nvSpPr>
+          <p:cNvPr id="8" name="TextBox 7">
+            <a:extLst>
+              <a:ext uri="{FF2B5EF4-FFF2-40B4-BE49-F238E27FC236}">
+                <a16:creationId xmlns:a16="http://schemas.microsoft.com/office/drawing/2014/main" xmlns="" id="{C91670A9-357A-4966-AFFF-572EDA5F7781}"/>
+              </a:ext>
+            </a:extLst>
+          </p:cNvPr>
+          <p:cNvSpPr txBox="1"/>
+          <p:nvPr/>
+        </p:nvSpPr>
+        <p:spPr>
+          <a:xfrm>
+            <a:off x="885094" y="693072"/>
+            <a:ext cx="17402906" cy="1579920"/>
+          </a:xfrm>
+          <a:prstGeom prst="rect">
+            <a:avLst/>
+          </a:prstGeom>
+          <a:noFill/>
+          <a:ln w="12700" cap="flat">
+            <a:noFill/>
+            <a:miter lim="400000"/>
+          </a:ln>
+          <a:effectLst/>
+          <a:sp3d/>
+        </p:spPr>
+        <p:style>
+          <a:lnRef idx="0">
+            <a:scrgbClr r="0" g="0" b="0"/>
+          </a:lnRef>
+          <a:fillRef idx="0">
+            <a:scrgbClr r="0" g="0" b="0"/>
+          </a:fillRef>
+          <a:effectRef idx="0">
+            <a:scrgbClr r="0" g="0" b="0"/>
+          </a:effectRef>
+          <a:fontRef idx="none"/>
+        </p:style>
+        <p:txBody>
+          <a:bodyPr rot="0" spcFirstLastPara="1" vertOverflow="overflow" horzOverflow="overflow" vert="horz" wrap="square" lIns="50800" tIns="50800" rIns="50800" bIns="50800" numCol="1" spcCol="38100" rtlCol="0" anchor="ctr">
             <a:spAutoFit/>
           </a:bodyPr>
           <a:lstStyle/>
           <a:p>
+            <a:pPr marL="0" marR="0" indent="0" algn="l" defTabSz="2438338" rtl="0" fontAlgn="auto" latinLnBrk="0" hangingPunct="0">
+              <a:lnSpc>
+                <a:spcPct val="90000"/>
+              </a:lnSpc>
+              <a:spcBef>
+                <a:spcPts val="4500"/>
+              </a:spcBef>
+              <a:spcAft>
+                <a:spcPts val="0"/>
+              </a:spcAft>
+              <a:buClrTx/>
+              <a:buSzTx/>
+              <a:buFontTx/>
+              <a:buNone/>
+              <a:tabLst/>
+            </a:pPr>
             <a:r>
-              <a:rPr lang="ru-RU" sz="5400" dirty="0"/>
-              <a:t>Кощеев Вадим</a:t>
+              <a:rPr kumimoji="0" lang="ru-RU" sz="6500" b="1" i="0" u="none" strike="noStrike" cap="none" spc="0" normalizeH="0" baseline="0" dirty="0" smtClean="0">
+                <a:ln>
+                  <a:noFill/>
+                </a:ln>
+                <a:solidFill>
+                  <a:srgbClr val="000000"/>
+                </a:solidFill>
+                <a:effectLst/>
+                <a:uFillTx/>
+                <a:latin typeface="Helvetica Neue (Основной текст)"/>
+                <a:sym typeface="Helvetica Neue"/>
+              </a:rPr>
+              <a:t>Соблюдай</a:t>
             </a:r>
-          </a:p>
-        </p:txBody>
-      </p:sp>
+            <a:r>
+              <a:rPr kumimoji="0" lang="ru-RU" sz="6500" b="1" i="0" u="none" strike="noStrike" cap="none" spc="0" normalizeH="0" dirty="0" smtClean="0">
+                <a:ln>
+                  <a:noFill/>
+                </a:ln>
+                <a:solidFill>
+                  <a:srgbClr val="000000"/>
+                </a:solidFill>
+                <a:effectLst/>
+                <a:uFillTx/>
+                <a:latin typeface="Helvetica Neue (Основной текст)"/>
+                <a:sym typeface="Helvetica Neue"/>
+              </a:rPr>
+              <a:t> условия пользования!</a:t>
+            </a:r>
+            <a:endParaRPr kumimoji="0" lang="ru-RU" sz="6500" b="1" i="0" u="none" strike="noStrike" cap="none" spc="0" normalizeH="0" baseline="0" dirty="0">
+              <a:ln>
+                <a:noFill/>
+              </a:ln>
+              <a:solidFill>
+                <a:srgbClr val="000000"/>
+              </a:solidFill>
+              <a:effectLst/>
+              <a:uFillTx/>
+              <a:latin typeface="Helvetica Neue (Основной текст)"/>
+              <a:sym typeface="Helvetica Neue"/>
+            </a:endParaRPr>
+          </a:p>
+        </p:txBody>
+      </p:sp>
+      <p:pic>
+        <p:nvPicPr>
+          <p:cNvPr id="1028" name="Picture 4"/>
+          <p:cNvPicPr>
+            <a:picLocks noChangeAspect="1" noChangeArrowheads="1"/>
+          </p:cNvPicPr>
+          <p:nvPr/>
+        </p:nvPicPr>
+        <p:blipFill>
+          <a:blip r:embed="rId2" cstate="print"/>
+          <a:srcRect/>
+          <a:stretch>
+            <a:fillRect/>
+          </a:stretch>
+        </p:blipFill>
+        <p:spPr bwMode="auto">
+          <a:xfrm>
+            <a:off x="845482" y="2850775"/>
+            <a:ext cx="16877741" cy="9489096"/>
+          </a:xfrm>
+          <a:prstGeom prst="rect">
+            <a:avLst/>
+          </a:prstGeom>
+          <a:noFill/>
+          <a:ln w="9525">
+            <a:noFill/>
+            <a:miter lim="800000"/>
+            <a:headEnd/>
+            <a:tailEnd/>
+          </a:ln>
+        </p:spPr>
+      </p:pic>
+      <p:cxnSp>
+        <p:nvCxnSpPr>
+          <p:cNvPr id="11" name="Прямая соединительная линия 10">
+            <a:extLst>
+              <a:ext uri="{FF2B5EF4-FFF2-40B4-BE49-F238E27FC236}">
+                <a16:creationId xmlns:a16="http://schemas.microsoft.com/office/drawing/2014/main" xmlns="" id="{81405752-4924-49AE-B5B4-720297F8DACC}"/>
+              </a:ext>
+            </a:extLst>
+          </p:cNvPr>
+          <p:cNvCxnSpPr/>
+          <p:nvPr/>
+        </p:nvCxnSpPr>
+        <p:spPr>
+          <a:xfrm>
+            <a:off x="859739" y="2487864"/>
+            <a:ext cx="17078637" cy="0"/>
+          </a:xfrm>
+          <a:prstGeom prst="line">
+            <a:avLst/>
+          </a:prstGeom>
+          <a:ln/>
+        </p:spPr>
+        <p:style>
+          <a:lnRef idx="3">
+            <a:schemeClr val="dk1"/>
+          </a:lnRef>
+          <a:fillRef idx="0">
+            <a:schemeClr val="dk1"/>
+          </a:fillRef>
+          <a:effectRef idx="2">
+            <a:schemeClr val="dk1"/>
+          </a:effectRef>
+          <a:fontRef idx="minor">
+            <a:schemeClr val="tx1"/>
+          </a:fontRef>
+        </p:style>
+      </p:cxnSp>
     </p:spTree>
-    <p:extLst>
-      <p:ext uri="{BB962C8B-B14F-4D97-AF65-F5344CB8AC3E}">
-        <p14:creationId xmlns="" xmlns:p14="http://schemas.microsoft.com/office/powerpoint/2010/main" val="892662070"/>
-      </p:ext>
-    </p:extLst>
   </p:cSld>
   <p:clrMapOvr>
     <a:masterClrMapping/>
@@ -9007,7 +11219,7 @@
   <a:extraClrSchemeLst/>
   <a:extLst>
     <a:ext uri="{05A4C25C-085E-4340-85A3-A5531E510DB2}">
-      <thm15:themeFamily xmlns="" xmlns:thm15="http://schemas.microsoft.com/office/thememl/2012/main" name="Facet" id="{C0C680CD-088A-49FC-A102-D699147F32B2}" vid="{CFBC31BA-B70F-4F30-BCAA-4F3011E16C4D}"/>
+      <thm15:themeFamily xmlns:thm15="http://schemas.microsoft.com/office/thememl/2012/main" xmlns="" name="Facet" id="{C0C680CD-088A-49FC-A102-D699147F32B2}" vid="{CFBC31BA-B70F-4F30-BCAA-4F3011E16C4D}"/>
     </a:ext>
   </a:extLst>
 </a:theme>
